--- a/Week_2/Lectures/2.1_JavaScript_Basics.pptx
+++ b/Week_2/Lectures/2.1_JavaScript_Basics.pptx
@@ -5,7 +5,7 @@
     <p:sldMasterId id="2147483659" r:id="rId1"/>
   </p:sldMasterIdLst>
   <p:notesMasterIdLst>
-    <p:notesMasterId r:id="rId24"/>
+    <p:notesMasterId r:id="rId23"/>
   </p:notesMasterIdLst>
   <p:sldIdLst>
     <p:sldId id="256" r:id="rId2"/>
@@ -29,7 +29,6 @@
     <p:sldId id="274" r:id="rId20"/>
     <p:sldId id="275" r:id="rId21"/>
     <p:sldId id="276" r:id="rId22"/>
-    <p:sldId id="277" r:id="rId23"/>
   </p:sldIdLst>
   <p:sldSz cx="9144000" cy="5143500" type="screen16x9"/>
   <p:notesSz cx="6858000" cy="9144000"/>
@@ -400,7 +399,7 @@
     </p:spTree>
     <p:extLst>
       <p:ext uri="{BB962C8B-B14F-4D97-AF65-F5344CB8AC3E}">
-        <p14:creationId xmlns:p14="http://schemas.microsoft.com/office/powerpoint/2010/main" val="725329191"/>
+        <p14:creationId xmlns:p14="http://schemas.microsoft.com/office/powerpoint/2010/main" val="4040479894"/>
       </p:ext>
     </p:extLst>
   </p:cSld>
@@ -791,294 +790,6 @@
               </a:spcBef>
               <a:buNone/>
             </a:pPr>
-            <a:r>
-              <a:rPr lang="en" sz="1150">
-                <a:highlight>
-                  <a:srgbClr val="FFFFFF"/>
-                </a:highlight>
-                <a:latin typeface="Verdana"/>
-                <a:ea typeface="Verdana"/>
-                <a:cs typeface="Verdana"/>
-                <a:sym typeface="Verdana"/>
-              </a:rPr>
-              <a:t>In JavaScript, the thing called </a:t>
-            </a:r>
-            <a:r>
-              <a:rPr lang="en" sz="1150" b="1">
-                <a:highlight>
-                  <a:srgbClr val="FFFFFF"/>
-                </a:highlight>
-                <a:latin typeface="Verdana"/>
-                <a:ea typeface="Verdana"/>
-                <a:cs typeface="Verdana"/>
-                <a:sym typeface="Verdana"/>
-              </a:rPr>
-              <a:t>this</a:t>
-            </a:r>
-            <a:r>
-              <a:rPr lang="en" sz="1150">
-                <a:highlight>
-                  <a:srgbClr val="FFFFFF"/>
-                </a:highlight>
-                <a:latin typeface="Verdana"/>
-                <a:ea typeface="Verdana"/>
-                <a:cs typeface="Verdana"/>
-                <a:sym typeface="Verdana"/>
-              </a:rPr>
-              <a:t>, is the object that "owns" the JavaScript code.</a:t>
-            </a:r>
-          </a:p>
-          <a:p>
-            <a:pPr lvl="0">
-              <a:spcBef>
-                <a:spcPts val="0"/>
-              </a:spcBef>
-              <a:buNone/>
-            </a:pPr>
-            <a:r>
-              <a:rPr lang="en" sz="1150">
-                <a:highlight>
-                  <a:srgbClr val="FFFFFF"/>
-                </a:highlight>
-                <a:latin typeface="Verdana"/>
-                <a:ea typeface="Verdana"/>
-                <a:cs typeface="Verdana"/>
-                <a:sym typeface="Verdana"/>
-              </a:rPr>
-              <a:t>The value of </a:t>
-            </a:r>
-            <a:r>
-              <a:rPr lang="en" sz="1150" b="1">
-                <a:highlight>
-                  <a:srgbClr val="FFFFFF"/>
-                </a:highlight>
-                <a:latin typeface="Verdana"/>
-                <a:ea typeface="Verdana"/>
-                <a:cs typeface="Verdana"/>
-                <a:sym typeface="Verdana"/>
-              </a:rPr>
-              <a:t>this</a:t>
-            </a:r>
-            <a:r>
-              <a:rPr lang="en" sz="1150">
-                <a:highlight>
-                  <a:srgbClr val="FFFFFF"/>
-                </a:highlight>
-                <a:latin typeface="Verdana"/>
-                <a:ea typeface="Verdana"/>
-                <a:cs typeface="Verdana"/>
-                <a:sym typeface="Verdana"/>
-              </a:rPr>
-              <a:t>, when used in a function, is the object that "owns" the function.</a:t>
-            </a:r>
-          </a:p>
-          <a:p>
-            <a:pPr lvl="0">
-              <a:spcBef>
-                <a:spcPts val="0"/>
-              </a:spcBef>
-              <a:buNone/>
-            </a:pPr>
-            <a:r>
-              <a:rPr lang="en" sz="1150">
-                <a:highlight>
-                  <a:srgbClr val="FFFFFF"/>
-                </a:highlight>
-                <a:latin typeface="Verdana"/>
-                <a:ea typeface="Verdana"/>
-                <a:cs typeface="Verdana"/>
-                <a:sym typeface="Verdana"/>
-              </a:rPr>
-              <a:t>The value of </a:t>
-            </a:r>
-            <a:r>
-              <a:rPr lang="en" sz="1150" b="1">
-                <a:highlight>
-                  <a:srgbClr val="FFFFFF"/>
-                </a:highlight>
-                <a:latin typeface="Verdana"/>
-                <a:ea typeface="Verdana"/>
-                <a:cs typeface="Verdana"/>
-                <a:sym typeface="Verdana"/>
-              </a:rPr>
-              <a:t>this</a:t>
-            </a:r>
-            <a:r>
-              <a:rPr lang="en" sz="1150">
-                <a:highlight>
-                  <a:srgbClr val="FFFFFF"/>
-                </a:highlight>
-                <a:latin typeface="Verdana"/>
-                <a:ea typeface="Verdana"/>
-                <a:cs typeface="Verdana"/>
-                <a:sym typeface="Verdana"/>
-              </a:rPr>
-              <a:t>, when used in an object, is the object itself.</a:t>
-            </a:r>
-          </a:p>
-          <a:p>
-            <a:pPr lvl="0">
-              <a:spcBef>
-                <a:spcPts val="0"/>
-              </a:spcBef>
-              <a:buNone/>
-            </a:pPr>
-            <a:r>
-              <a:rPr lang="en" sz="1150">
-                <a:highlight>
-                  <a:srgbClr val="FFFFFF"/>
-                </a:highlight>
-                <a:latin typeface="Verdana"/>
-                <a:ea typeface="Verdana"/>
-                <a:cs typeface="Verdana"/>
-                <a:sym typeface="Verdana"/>
-              </a:rPr>
-              <a:t>The </a:t>
-            </a:r>
-            <a:r>
-              <a:rPr lang="en" sz="1150" b="1">
-                <a:highlight>
-                  <a:srgbClr val="FFFFFF"/>
-                </a:highlight>
-                <a:latin typeface="Verdana"/>
-                <a:ea typeface="Verdana"/>
-                <a:cs typeface="Verdana"/>
-                <a:sym typeface="Verdana"/>
-              </a:rPr>
-              <a:t>this</a:t>
-            </a:r>
-            <a:r>
-              <a:rPr lang="en" sz="1150">
-                <a:highlight>
-                  <a:srgbClr val="FFFFFF"/>
-                </a:highlight>
-                <a:latin typeface="Verdana"/>
-                <a:ea typeface="Verdana"/>
-                <a:cs typeface="Verdana"/>
-                <a:sym typeface="Verdana"/>
-              </a:rPr>
-              <a:t> keyword in an object constructor does not have a value. It is only a substitute for the new object.</a:t>
-            </a:r>
-          </a:p>
-          <a:p>
-            <a:pPr lvl="0">
-              <a:spcBef>
-                <a:spcPts val="0"/>
-              </a:spcBef>
-              <a:buNone/>
-            </a:pPr>
-            <a:r>
-              <a:rPr lang="en" sz="1150">
-                <a:highlight>
-                  <a:srgbClr val="FFFFFF"/>
-                </a:highlight>
-                <a:latin typeface="Verdana"/>
-                <a:ea typeface="Verdana"/>
-                <a:cs typeface="Verdana"/>
-                <a:sym typeface="Verdana"/>
-              </a:rPr>
-              <a:t>The value of </a:t>
-            </a:r>
-            <a:r>
-              <a:rPr lang="en" sz="1150" b="1">
-                <a:highlight>
-                  <a:srgbClr val="FFFFFF"/>
-                </a:highlight>
-                <a:latin typeface="Verdana"/>
-                <a:ea typeface="Verdana"/>
-                <a:cs typeface="Verdana"/>
-                <a:sym typeface="Verdana"/>
-              </a:rPr>
-              <a:t>this</a:t>
-            </a:r>
-            <a:r>
-              <a:rPr lang="en" sz="1150">
-                <a:highlight>
-                  <a:srgbClr val="FFFFFF"/>
-                </a:highlight>
-                <a:latin typeface="Verdana"/>
-                <a:ea typeface="Verdana"/>
-                <a:cs typeface="Verdana"/>
-                <a:sym typeface="Verdana"/>
-              </a:rPr>
-              <a:t> will become the new object when the constructor is used to create an object.</a:t>
-            </a:r>
-          </a:p>
-          <a:p>
-            <a:pPr lvl="0">
-              <a:spcBef>
-                <a:spcPts val="0"/>
-              </a:spcBef>
-              <a:buNone/>
-            </a:pPr>
-            <a:r>
-              <a:rPr lang="en" sz="1150">
-                <a:highlight>
-                  <a:srgbClr val="FFFFCC"/>
-                </a:highlight>
-                <a:latin typeface="Verdana"/>
-                <a:ea typeface="Verdana"/>
-                <a:cs typeface="Verdana"/>
-                <a:sym typeface="Verdana"/>
-              </a:rPr>
-              <a:t>Note that </a:t>
-            </a:r>
-            <a:r>
-              <a:rPr lang="en" sz="1150" b="1">
-                <a:highlight>
-                  <a:srgbClr val="FFFFCC"/>
-                </a:highlight>
-                <a:latin typeface="Verdana"/>
-                <a:ea typeface="Verdana"/>
-                <a:cs typeface="Verdana"/>
-                <a:sym typeface="Verdana"/>
-              </a:rPr>
-              <a:t>this</a:t>
-            </a:r>
-            <a:r>
-              <a:rPr lang="en" sz="1150">
-                <a:highlight>
-                  <a:srgbClr val="FFFFCC"/>
-                </a:highlight>
-                <a:latin typeface="Verdana"/>
-                <a:ea typeface="Verdana"/>
-                <a:cs typeface="Verdana"/>
-                <a:sym typeface="Verdana"/>
-              </a:rPr>
-              <a:t> is not a variable. It is a keyword. You cannot change the value of </a:t>
-            </a:r>
-            <a:r>
-              <a:rPr lang="en" sz="1150" b="1">
-                <a:highlight>
-                  <a:srgbClr val="FFFFCC"/>
-                </a:highlight>
-                <a:latin typeface="Verdana"/>
-                <a:ea typeface="Verdana"/>
-                <a:cs typeface="Verdana"/>
-                <a:sym typeface="Verdana"/>
-              </a:rPr>
-              <a:t>this</a:t>
-            </a:r>
-            <a:r>
-              <a:rPr lang="en" sz="1150">
-                <a:highlight>
-                  <a:srgbClr val="FFFFCC"/>
-                </a:highlight>
-                <a:latin typeface="Verdana"/>
-                <a:ea typeface="Verdana"/>
-                <a:cs typeface="Verdana"/>
-                <a:sym typeface="Verdana"/>
-              </a:rPr>
-              <a:t>.</a:t>
-            </a:r>
-          </a:p>
-          <a:p>
-            <a:pPr lvl="0">
-              <a:spcBef>
-                <a:spcPts val="0"/>
-              </a:spcBef>
-              <a:buNone/>
-            </a:pPr>
             <a:endParaRPr/>
           </a:p>
         </p:txBody>
@@ -1221,7 +932,7 @@
         </p:nvSpPr>
         <p:spPr>
           <a:xfrm>
-            <a:off x="381000" y="685800"/>
+            <a:off x="381300" y="685800"/>
             <a:ext cx="6096000" cy="3429000"/>
           </a:xfrm>
           <a:custGeom>
@@ -1382,6 +1093,294 @@
               </a:spcBef>
               <a:buNone/>
             </a:pPr>
+            <a:r>
+              <a:rPr lang="en" sz="1150">
+                <a:highlight>
+                  <a:srgbClr val="FFFFFF"/>
+                </a:highlight>
+                <a:latin typeface="Verdana"/>
+                <a:ea typeface="Verdana"/>
+                <a:cs typeface="Verdana"/>
+                <a:sym typeface="Verdana"/>
+              </a:rPr>
+              <a:t>In JavaScript, the thing called </a:t>
+            </a:r>
+            <a:r>
+              <a:rPr lang="en" sz="1150" b="1">
+                <a:highlight>
+                  <a:srgbClr val="FFFFFF"/>
+                </a:highlight>
+                <a:latin typeface="Verdana"/>
+                <a:ea typeface="Verdana"/>
+                <a:cs typeface="Verdana"/>
+                <a:sym typeface="Verdana"/>
+              </a:rPr>
+              <a:t>this</a:t>
+            </a:r>
+            <a:r>
+              <a:rPr lang="en" sz="1150">
+                <a:highlight>
+                  <a:srgbClr val="FFFFFF"/>
+                </a:highlight>
+                <a:latin typeface="Verdana"/>
+                <a:ea typeface="Verdana"/>
+                <a:cs typeface="Verdana"/>
+                <a:sym typeface="Verdana"/>
+              </a:rPr>
+              <a:t>, is the object that "owns" the JavaScript code.</a:t>
+            </a:r>
+          </a:p>
+          <a:p>
+            <a:pPr lvl="0">
+              <a:spcBef>
+                <a:spcPts val="0"/>
+              </a:spcBef>
+              <a:buNone/>
+            </a:pPr>
+            <a:r>
+              <a:rPr lang="en" sz="1150">
+                <a:highlight>
+                  <a:srgbClr val="FFFFFF"/>
+                </a:highlight>
+                <a:latin typeface="Verdana"/>
+                <a:ea typeface="Verdana"/>
+                <a:cs typeface="Verdana"/>
+                <a:sym typeface="Verdana"/>
+              </a:rPr>
+              <a:t>The value of </a:t>
+            </a:r>
+            <a:r>
+              <a:rPr lang="en" sz="1150" b="1">
+                <a:highlight>
+                  <a:srgbClr val="FFFFFF"/>
+                </a:highlight>
+                <a:latin typeface="Verdana"/>
+                <a:ea typeface="Verdana"/>
+                <a:cs typeface="Verdana"/>
+                <a:sym typeface="Verdana"/>
+              </a:rPr>
+              <a:t>this</a:t>
+            </a:r>
+            <a:r>
+              <a:rPr lang="en" sz="1150">
+                <a:highlight>
+                  <a:srgbClr val="FFFFFF"/>
+                </a:highlight>
+                <a:latin typeface="Verdana"/>
+                <a:ea typeface="Verdana"/>
+                <a:cs typeface="Verdana"/>
+                <a:sym typeface="Verdana"/>
+              </a:rPr>
+              <a:t>, when used in a function, is the object that "owns" the function.</a:t>
+            </a:r>
+          </a:p>
+          <a:p>
+            <a:pPr lvl="0">
+              <a:spcBef>
+                <a:spcPts val="0"/>
+              </a:spcBef>
+              <a:buNone/>
+            </a:pPr>
+            <a:r>
+              <a:rPr lang="en" sz="1150">
+                <a:highlight>
+                  <a:srgbClr val="FFFFFF"/>
+                </a:highlight>
+                <a:latin typeface="Verdana"/>
+                <a:ea typeface="Verdana"/>
+                <a:cs typeface="Verdana"/>
+                <a:sym typeface="Verdana"/>
+              </a:rPr>
+              <a:t>The value of </a:t>
+            </a:r>
+            <a:r>
+              <a:rPr lang="en" sz="1150" b="1">
+                <a:highlight>
+                  <a:srgbClr val="FFFFFF"/>
+                </a:highlight>
+                <a:latin typeface="Verdana"/>
+                <a:ea typeface="Verdana"/>
+                <a:cs typeface="Verdana"/>
+                <a:sym typeface="Verdana"/>
+              </a:rPr>
+              <a:t>this</a:t>
+            </a:r>
+            <a:r>
+              <a:rPr lang="en" sz="1150">
+                <a:highlight>
+                  <a:srgbClr val="FFFFFF"/>
+                </a:highlight>
+                <a:latin typeface="Verdana"/>
+                <a:ea typeface="Verdana"/>
+                <a:cs typeface="Verdana"/>
+                <a:sym typeface="Verdana"/>
+              </a:rPr>
+              <a:t>, when used in an object, is the object itself.</a:t>
+            </a:r>
+          </a:p>
+          <a:p>
+            <a:pPr lvl="0">
+              <a:spcBef>
+                <a:spcPts val="0"/>
+              </a:spcBef>
+              <a:buNone/>
+            </a:pPr>
+            <a:r>
+              <a:rPr lang="en" sz="1150">
+                <a:highlight>
+                  <a:srgbClr val="FFFFFF"/>
+                </a:highlight>
+                <a:latin typeface="Verdana"/>
+                <a:ea typeface="Verdana"/>
+                <a:cs typeface="Verdana"/>
+                <a:sym typeface="Verdana"/>
+              </a:rPr>
+              <a:t>The </a:t>
+            </a:r>
+            <a:r>
+              <a:rPr lang="en" sz="1150" b="1">
+                <a:highlight>
+                  <a:srgbClr val="FFFFFF"/>
+                </a:highlight>
+                <a:latin typeface="Verdana"/>
+                <a:ea typeface="Verdana"/>
+                <a:cs typeface="Verdana"/>
+                <a:sym typeface="Verdana"/>
+              </a:rPr>
+              <a:t>this</a:t>
+            </a:r>
+            <a:r>
+              <a:rPr lang="en" sz="1150">
+                <a:highlight>
+                  <a:srgbClr val="FFFFFF"/>
+                </a:highlight>
+                <a:latin typeface="Verdana"/>
+                <a:ea typeface="Verdana"/>
+                <a:cs typeface="Verdana"/>
+                <a:sym typeface="Verdana"/>
+              </a:rPr>
+              <a:t> keyword in an object constructor does not have a value. It is only a substitute for the new object.</a:t>
+            </a:r>
+          </a:p>
+          <a:p>
+            <a:pPr lvl="0">
+              <a:spcBef>
+                <a:spcPts val="0"/>
+              </a:spcBef>
+              <a:buNone/>
+            </a:pPr>
+            <a:r>
+              <a:rPr lang="en" sz="1150">
+                <a:highlight>
+                  <a:srgbClr val="FFFFFF"/>
+                </a:highlight>
+                <a:latin typeface="Verdana"/>
+                <a:ea typeface="Verdana"/>
+                <a:cs typeface="Verdana"/>
+                <a:sym typeface="Verdana"/>
+              </a:rPr>
+              <a:t>The value of </a:t>
+            </a:r>
+            <a:r>
+              <a:rPr lang="en" sz="1150" b="1">
+                <a:highlight>
+                  <a:srgbClr val="FFFFFF"/>
+                </a:highlight>
+                <a:latin typeface="Verdana"/>
+                <a:ea typeface="Verdana"/>
+                <a:cs typeface="Verdana"/>
+                <a:sym typeface="Verdana"/>
+              </a:rPr>
+              <a:t>this</a:t>
+            </a:r>
+            <a:r>
+              <a:rPr lang="en" sz="1150">
+                <a:highlight>
+                  <a:srgbClr val="FFFFFF"/>
+                </a:highlight>
+                <a:latin typeface="Verdana"/>
+                <a:ea typeface="Verdana"/>
+                <a:cs typeface="Verdana"/>
+                <a:sym typeface="Verdana"/>
+              </a:rPr>
+              <a:t> will become the new object when the constructor is used to create an object.</a:t>
+            </a:r>
+          </a:p>
+          <a:p>
+            <a:pPr lvl="0">
+              <a:spcBef>
+                <a:spcPts val="0"/>
+              </a:spcBef>
+              <a:buNone/>
+            </a:pPr>
+            <a:r>
+              <a:rPr lang="en" sz="1150">
+                <a:highlight>
+                  <a:srgbClr val="FFFFCC"/>
+                </a:highlight>
+                <a:latin typeface="Verdana"/>
+                <a:ea typeface="Verdana"/>
+                <a:cs typeface="Verdana"/>
+                <a:sym typeface="Verdana"/>
+              </a:rPr>
+              <a:t>Note that </a:t>
+            </a:r>
+            <a:r>
+              <a:rPr lang="en" sz="1150" b="1">
+                <a:highlight>
+                  <a:srgbClr val="FFFFCC"/>
+                </a:highlight>
+                <a:latin typeface="Verdana"/>
+                <a:ea typeface="Verdana"/>
+                <a:cs typeface="Verdana"/>
+                <a:sym typeface="Verdana"/>
+              </a:rPr>
+              <a:t>this</a:t>
+            </a:r>
+            <a:r>
+              <a:rPr lang="en" sz="1150">
+                <a:highlight>
+                  <a:srgbClr val="FFFFCC"/>
+                </a:highlight>
+                <a:latin typeface="Verdana"/>
+                <a:ea typeface="Verdana"/>
+                <a:cs typeface="Verdana"/>
+                <a:sym typeface="Verdana"/>
+              </a:rPr>
+              <a:t> is not a variable. It is a keyword. You cannot change the value of </a:t>
+            </a:r>
+            <a:r>
+              <a:rPr lang="en" sz="1150" b="1">
+                <a:highlight>
+                  <a:srgbClr val="FFFFCC"/>
+                </a:highlight>
+                <a:latin typeface="Verdana"/>
+                <a:ea typeface="Verdana"/>
+                <a:cs typeface="Verdana"/>
+                <a:sym typeface="Verdana"/>
+              </a:rPr>
+              <a:t>this</a:t>
+            </a:r>
+            <a:r>
+              <a:rPr lang="en" sz="1150">
+                <a:highlight>
+                  <a:srgbClr val="FFFFCC"/>
+                </a:highlight>
+                <a:latin typeface="Verdana"/>
+                <a:ea typeface="Verdana"/>
+                <a:cs typeface="Verdana"/>
+                <a:sym typeface="Verdana"/>
+              </a:rPr>
+              <a:t>.</a:t>
+            </a:r>
+          </a:p>
+          <a:p>
+            <a:pPr lvl="0">
+              <a:spcBef>
+                <a:spcPts val="0"/>
+              </a:spcBef>
+              <a:buNone/>
+            </a:pPr>
             <a:endParaRPr/>
           </a:p>
         </p:txBody>
@@ -1895,7 +1894,86 @@
             </a:pPr>
             <a:r>
               <a:rPr lang="en"/>
-              <a:t>Switches are used to perform different actions based on different conditions</a:t>
+              <a:t>Switches are used to perform different actions based on different conditions.</a:t>
+            </a:r>
+            <a:br>
+              <a:rPr lang="en"/>
+            </a:br>
+            <a:r>
+              <a:rPr lang="en"/>
+              <a:t>You don’t have to have a break after each break. Sometimes you might want to have case 1 and case 2 do the same thing. As an example, instead of assigning the day of the week to each case, you assign the after school activity to each case. However, Tuesdays and Wednesdays you go to dance class. Here you don’t need to have a break under case 2 because case 3 (Wednesday) is the same activity. So whether getDay returns a 2 or a 3, both would assign the activity to dance. It’d look like this</a:t>
+            </a:r>
+          </a:p>
+          <a:p>
+            <a:pPr lvl="0" rtl="0">
+              <a:lnSpc>
+                <a:spcPct val="115000"/>
+              </a:lnSpc>
+              <a:spcBef>
+                <a:spcPts val="0"/>
+              </a:spcBef>
+              <a:spcAft>
+                <a:spcPts val="0"/>
+              </a:spcAft>
+              <a:buNone/>
+            </a:pPr>
+            <a:r>
+              <a:rPr lang="en"/>
+              <a:t>case 2:</a:t>
+            </a:r>
+          </a:p>
+          <a:p>
+            <a:pPr lvl="0" rtl="0">
+              <a:lnSpc>
+                <a:spcPct val="115000"/>
+              </a:lnSpc>
+              <a:spcBef>
+                <a:spcPts val="0"/>
+              </a:spcBef>
+              <a:spcAft>
+                <a:spcPts val="0"/>
+              </a:spcAft>
+              <a:buNone/>
+            </a:pPr>
+            <a:r>
+              <a:rPr lang="en"/>
+              <a:t>case 3:</a:t>
+            </a:r>
+          </a:p>
+          <a:p>
+            <a:pPr lvl="0" indent="457200" rtl="0">
+              <a:lnSpc>
+                <a:spcPct val="115000"/>
+              </a:lnSpc>
+              <a:spcBef>
+                <a:spcPts val="0"/>
+              </a:spcBef>
+              <a:spcAft>
+                <a:spcPts val="0"/>
+              </a:spcAft>
+              <a:buNone/>
+            </a:pPr>
+            <a:r>
+              <a:rPr lang="en"/>
+              <a:t>activity = “dance”;</a:t>
+            </a:r>
+          </a:p>
+          <a:p>
+            <a:pPr lvl="0" indent="457200" rtl="0">
+              <a:lnSpc>
+                <a:spcPct val="115000"/>
+              </a:lnSpc>
+              <a:spcBef>
+                <a:spcPts val="0"/>
+              </a:spcBef>
+              <a:spcAft>
+                <a:spcPts val="0"/>
+              </a:spcAft>
+              <a:buNone/>
+            </a:pPr>
+            <a:r>
+              <a:rPr lang="en"/>
+              <a:t>break;</a:t>
             </a:r>
           </a:p>
         </p:txBody>
@@ -2214,107 +2292,6 @@
 </p:notes>
 </file>
 
-<file path=ppt/notesSlides/notesSlide22.xml><?xml version="1.0" encoding="utf-8"?>
-<p:notes xmlns:a="http://schemas.openxmlformats.org/drawingml/2006/main" xmlns:r="http://schemas.openxmlformats.org/officeDocument/2006/relationships" xmlns:p="http://schemas.openxmlformats.org/presentationml/2006/main" showMasterSp="0" showMasterPhAnim="0">
-  <p:cSld>
-    <p:spTree>
-      <p:nvGrpSpPr>
-        <p:cNvPr id="1" name="Shape 187"/>
-        <p:cNvGrpSpPr/>
-        <p:nvPr/>
-      </p:nvGrpSpPr>
-      <p:grpSpPr>
-        <a:xfrm>
-          <a:off x="0" y="0"/>
-          <a:ext cx="0" cy="0"/>
-          <a:chOff x="0" y="0"/>
-          <a:chExt cx="0" cy="0"/>
-        </a:xfrm>
-      </p:grpSpPr>
-      <p:sp>
-        <p:nvSpPr>
-          <p:cNvPr id="188" name="Shape 188"/>
-          <p:cNvSpPr>
-            <a:spLocks noGrp="1" noRot="1" noChangeAspect="1"/>
-          </p:cNvSpPr>
-          <p:nvPr>
-            <p:ph type="sldImg" idx="2"/>
-          </p:nvPr>
-        </p:nvSpPr>
-        <p:spPr>
-          <a:xfrm>
-            <a:off x="381300" y="685800"/>
-            <a:ext cx="6096000" cy="3429000"/>
-          </a:xfrm>
-          <a:custGeom>
-            <a:avLst/>
-            <a:gdLst/>
-            <a:ahLst/>
-            <a:cxnLst/>
-            <a:rect l="0" t="0" r="0" b="0"/>
-            <a:pathLst>
-              <a:path w="120000" h="120000" extrusionOk="0">
-                <a:moveTo>
-                  <a:pt x="0" y="0"/>
-                </a:moveTo>
-                <a:lnTo>
-                  <a:pt x="120000" y="0"/>
-                </a:lnTo>
-                <a:lnTo>
-                  <a:pt x="120000" y="120000"/>
-                </a:lnTo>
-                <a:lnTo>
-                  <a:pt x="0" y="120000"/>
-                </a:lnTo>
-                <a:close/>
-              </a:path>
-            </a:pathLst>
-          </a:custGeom>
-        </p:spPr>
-      </p:sp>
-      <p:sp>
-        <p:nvSpPr>
-          <p:cNvPr id="189" name="Shape 189"/>
-          <p:cNvSpPr txBox="1">
-            <a:spLocks noGrp="1"/>
-          </p:cNvSpPr>
-          <p:nvPr>
-            <p:ph type="body" idx="1"/>
-          </p:nvPr>
-        </p:nvSpPr>
-        <p:spPr>
-          <a:xfrm>
-            <a:off x="685800" y="4343400"/>
-            <a:ext cx="5486400" cy="4114800"/>
-          </a:xfrm>
-          <a:prstGeom prst="rect">
-            <a:avLst/>
-          </a:prstGeom>
-        </p:spPr>
-        <p:txBody>
-          <a:bodyPr lIns="91425" tIns="91425" rIns="91425" bIns="91425" anchor="t" anchorCtr="0">
-            <a:noAutofit/>
-          </a:bodyPr>
-          <a:lstStyle/>
-          <a:p>
-            <a:pPr lvl="0">
-              <a:spcBef>
-                <a:spcPts val="0"/>
-              </a:spcBef>
-              <a:buNone/>
-            </a:pPr>
-            <a:endParaRPr/>
-          </a:p>
-        </p:txBody>
-      </p:sp>
-    </p:spTree>
-  </p:cSld>
-  <p:clrMapOvr>
-    <a:masterClrMapping/>
-  </p:clrMapOvr>
-</p:notes>
-</file>
-
 <file path=ppt/notesSlides/notesSlide3.xml><?xml version="1.0" encoding="utf-8"?>
 <p:notes xmlns:a="http://schemas.openxmlformats.org/drawingml/2006/main" xmlns:r="http://schemas.openxmlformats.org/officeDocument/2006/relationships" xmlns:p="http://schemas.openxmlformats.org/presentationml/2006/main" showMasterSp="0" showMasterPhAnim="0">
   <p:cSld>
@@ -2814,7 +2791,181 @@
               </a:spcBef>
               <a:buNone/>
             </a:pPr>
-            <a:endParaRPr/>
+            <a:r>
+              <a:rPr lang="en"/>
+              <a:t>In newer versions of JavaScript (e.g. ES6), there are the </a:t>
+            </a:r>
+            <a:r>
+              <a:rPr lang="en" b="1"/>
+              <a:t>let</a:t>
+            </a:r>
+            <a:r>
+              <a:rPr lang="en"/>
+              <a:t> and </a:t>
+            </a:r>
+            <a:r>
+              <a:rPr lang="en" b="1"/>
+              <a:t>const</a:t>
+            </a:r>
+            <a:r>
+              <a:rPr lang="en"/>
+              <a:t> keywords that allow you to create more specific types of variables.</a:t>
+            </a:r>
+          </a:p>
+          <a:p>
+            <a:pPr lvl="0">
+              <a:spcBef>
+                <a:spcPts val="0"/>
+              </a:spcBef>
+              <a:buNone/>
+            </a:pPr>
+            <a:endParaRPr sz="1050">
+              <a:solidFill>
+                <a:srgbClr val="3B3C40"/>
+              </a:solidFill>
+              <a:highlight>
+                <a:srgbClr val="FFFFFF"/>
+              </a:highlight>
+              <a:latin typeface="Open Sans"/>
+              <a:ea typeface="Open Sans"/>
+              <a:cs typeface="Open Sans"/>
+              <a:sym typeface="Open Sans"/>
+            </a:endParaRPr>
+          </a:p>
+          <a:p>
+            <a:pPr lvl="0">
+              <a:spcBef>
+                <a:spcPts val="0"/>
+              </a:spcBef>
+              <a:buNone/>
+            </a:pPr>
+            <a:r>
+              <a:rPr lang="en" sz="1050">
+                <a:solidFill>
+                  <a:srgbClr val="3B3C40"/>
+                </a:solidFill>
+                <a:highlight>
+                  <a:srgbClr val="FFFFFF"/>
+                </a:highlight>
+                <a:latin typeface="Open Sans"/>
+                <a:ea typeface="Open Sans"/>
+                <a:cs typeface="Open Sans"/>
+                <a:sym typeface="Open Sans"/>
+              </a:rPr>
+              <a:t>From MDN docs:</a:t>
+            </a:r>
+          </a:p>
+          <a:p>
+            <a:pPr marL="457200" lvl="0" indent="-295275">
+              <a:spcBef>
+                <a:spcPts val="0"/>
+              </a:spcBef>
+              <a:buClr>
+                <a:srgbClr val="3B3C40"/>
+              </a:buClr>
+              <a:buSzPct val="95454"/>
+              <a:buChar char="-"/>
+            </a:pPr>
+            <a:r>
+              <a:rPr lang="en" sz="1050">
+                <a:solidFill>
+                  <a:srgbClr val="3B3C40"/>
+                </a:solidFill>
+                <a:highlight>
+                  <a:srgbClr val="FFFFFF"/>
+                </a:highlight>
+                <a:latin typeface="Open Sans"/>
+                <a:ea typeface="Open Sans"/>
+                <a:cs typeface="Open Sans"/>
+                <a:sym typeface="Open Sans"/>
+              </a:rPr>
+              <a:t>The </a:t>
+            </a:r>
+            <a:r>
+              <a:rPr lang="en" sz="1050" b="1">
+                <a:solidFill>
+                  <a:srgbClr val="3B3C40"/>
+                </a:solidFill>
+                <a:highlight>
+                  <a:srgbClr val="FFFFFF"/>
+                </a:highlight>
+                <a:latin typeface="Consolas"/>
+                <a:ea typeface="Consolas"/>
+                <a:cs typeface="Consolas"/>
+                <a:sym typeface="Consolas"/>
+              </a:rPr>
+              <a:t>let</a:t>
+            </a:r>
+            <a:r>
+              <a:rPr lang="en" sz="1050">
+                <a:solidFill>
+                  <a:srgbClr val="3B3C40"/>
+                </a:solidFill>
+                <a:highlight>
+                  <a:srgbClr val="FFFFFF"/>
+                </a:highlight>
+                <a:latin typeface="Open Sans"/>
+                <a:ea typeface="Open Sans"/>
+                <a:cs typeface="Open Sans"/>
+                <a:sym typeface="Open Sans"/>
+              </a:rPr>
+              <a:t> statement declares a block scope local variable, optionally initializing it to a value.</a:t>
+            </a:r>
+          </a:p>
+          <a:p>
+            <a:pPr marL="457200" lvl="0" indent="-295275" rtl="0">
+              <a:spcBef>
+                <a:spcPts val="0"/>
+              </a:spcBef>
+              <a:buSzPct val="95454"/>
+              <a:buChar char="-"/>
+            </a:pPr>
+            <a:r>
+              <a:rPr lang="en" sz="1050">
+                <a:solidFill>
+                  <a:srgbClr val="3B3C40"/>
+                </a:solidFill>
+                <a:highlight>
+                  <a:srgbClr val="FFFFFF"/>
+                </a:highlight>
+                <a:latin typeface="Open Sans"/>
+                <a:ea typeface="Open Sans"/>
+                <a:cs typeface="Open Sans"/>
+                <a:sym typeface="Open Sans"/>
+              </a:rPr>
+              <a:t>Constants are block-scoped, much like variables defined using the </a:t>
+            </a:r>
+            <a:r>
+              <a:rPr lang="en" sz="1050" u="sng">
+                <a:solidFill>
+                  <a:srgbClr val="217AC0"/>
+                </a:solidFill>
+                <a:highlight>
+                  <a:srgbClr val="FFFFFF"/>
+                </a:highlight>
+                <a:latin typeface="Consolas"/>
+                <a:ea typeface="Consolas"/>
+                <a:cs typeface="Consolas"/>
+                <a:sym typeface="Consolas"/>
+                <a:hlinkClick r:id="rId3"/>
+              </a:rPr>
+              <a:t>let</a:t>
+            </a:r>
+            <a:r>
+              <a:rPr lang="en" sz="1050">
+                <a:solidFill>
+                  <a:srgbClr val="3B3C40"/>
+                </a:solidFill>
+                <a:highlight>
+                  <a:srgbClr val="FFFFFF"/>
+                </a:highlight>
+                <a:latin typeface="Open Sans"/>
+                <a:ea typeface="Open Sans"/>
+                <a:cs typeface="Open Sans"/>
+                <a:sym typeface="Open Sans"/>
+              </a:rPr>
+              <a:t> statement. The value of a constant cannot change through re-assignment, and it can't be redeclared.</a:t>
+            </a:r>
           </a:p>
         </p:txBody>
       </p:sp>
@@ -7122,7 +7273,7 @@
             </a:pPr>
             <a:r>
               <a:rPr lang="en"/>
-              <a:t>Objects: variable declaration</a:t>
+              <a:t>Functions</a:t>
             </a:r>
           </a:p>
         </p:txBody>
@@ -7177,6 +7328,65 @@
                 <a:cs typeface="Source Code Pro"/>
                 <a:sym typeface="Source Code Pro"/>
               </a:rPr>
+              <a:t>function</a:t>
+            </a:r>
+            <a:r>
+              <a:rPr lang="en" sz="1200">
+                <a:solidFill>
+                  <a:srgbClr val="000000"/>
+                </a:solidFill>
+                <a:highlight>
+                  <a:srgbClr val="FFFFFF"/>
+                </a:highlight>
+                <a:latin typeface="Source Code Pro"/>
+                <a:ea typeface="Source Code Pro"/>
+                <a:cs typeface="Source Code Pro"/>
+                <a:sym typeface="Source Code Pro"/>
+              </a:rPr>
+              <a:t> myFunction(name, age) {</a:t>
+            </a:r>
+          </a:p>
+          <a:p>
+            <a:pPr lvl="0" rtl="0">
+              <a:lnSpc>
+                <a:spcPct val="115000"/>
+              </a:lnSpc>
+              <a:spcBef>
+                <a:spcPts val="0"/>
+              </a:spcBef>
+              <a:spcAft>
+                <a:spcPts val="0"/>
+              </a:spcAft>
+              <a:buNone/>
+            </a:pPr>
+            <a:r>
+              <a:rPr lang="en" sz="1200">
+                <a:solidFill>
+                  <a:srgbClr val="000000"/>
+                </a:solidFill>
+                <a:highlight>
+                  <a:srgbClr val="FFFFFF"/>
+                </a:highlight>
+                <a:latin typeface="Source Code Pro"/>
+                <a:ea typeface="Source Code Pro"/>
+                <a:cs typeface="Source Code Pro"/>
+                <a:sym typeface="Source Code Pro"/>
+              </a:rPr>
+              <a:t>  </a:t>
+            </a:r>
+            <a:r>
+              <a:rPr lang="en" sz="1200">
+                <a:solidFill>
+                  <a:srgbClr val="0000CD"/>
+                </a:solidFill>
+                <a:highlight>
+                  <a:srgbClr val="FFFFFF"/>
+                </a:highlight>
+                <a:latin typeface="Source Code Pro"/>
+                <a:ea typeface="Source Code Pro"/>
+                <a:cs typeface="Source Code Pro"/>
+                <a:sym typeface="Source Code Pro"/>
+              </a:rPr>
               <a:t>var</a:t>
             </a:r>
             <a:r>
@@ -7192,7 +7402,67 @@
                 <a:cs typeface="Source Code Pro"/>
                 <a:sym typeface="Source Code Pro"/>
               </a:rPr>
-              <a:t> person = {</a:t>
+              <a:t> greeting = </a:t>
+            </a:r>
+            <a:r>
+              <a:rPr lang="en" sz="1200">
+                <a:solidFill>
+                  <a:srgbClr val="A52A2A"/>
+                </a:solidFill>
+                <a:highlight>
+                  <a:srgbClr val="FFFFFF"/>
+                </a:highlight>
+                <a:latin typeface="Source Code Pro"/>
+                <a:ea typeface="Source Code Pro"/>
+                <a:cs typeface="Source Code Pro"/>
+                <a:sym typeface="Source Code Pro"/>
+              </a:rPr>
+              <a:t>“Hello ” + </a:t>
+            </a:r>
+            <a:r>
+              <a:rPr lang="en" sz="1200">
+                <a:solidFill>
+                  <a:srgbClr val="000000"/>
+                </a:solidFill>
+                <a:highlight>
+                  <a:srgbClr val="FFFFFF"/>
+                </a:highlight>
+                <a:latin typeface="Source Code Pro"/>
+                <a:ea typeface="Source Code Pro"/>
+                <a:cs typeface="Source Code Pro"/>
+                <a:sym typeface="Source Code Pro"/>
+              </a:rPr>
+              <a:t>name</a:t>
+            </a:r>
+            <a:r>
+              <a:rPr lang="en" sz="1200">
+                <a:solidFill>
+                  <a:srgbClr val="A52A2A"/>
+                </a:solidFill>
+                <a:highlight>
+                  <a:srgbClr val="FFFFFF"/>
+                </a:highlight>
+                <a:latin typeface="Source Code Pro"/>
+                <a:ea typeface="Source Code Pro"/>
+                <a:cs typeface="Source Code Pro"/>
+                <a:sym typeface="Source Code Pro"/>
+              </a:rPr>
+              <a:t> + “. ”</a:t>
+            </a:r>
+            <a:r>
+              <a:rPr lang="en" sz="1200">
+                <a:solidFill>
+                  <a:srgbClr val="000000"/>
+                </a:solidFill>
+                <a:highlight>
+                  <a:srgbClr val="FFFFFF"/>
+                </a:highlight>
+                <a:latin typeface="Source Code Pro"/>
+                <a:ea typeface="Source Code Pro"/>
+                <a:cs typeface="Source Code Pro"/>
+                <a:sym typeface="Source Code Pro"/>
+              </a:rPr>
+              <a:t>;</a:t>
             </a:r>
           </a:p>
           <a:p>
@@ -7221,7 +7491,37 @@
                 <a:cs typeface="Source Code Pro"/>
                 <a:sym typeface="Source Code Pro"/>
               </a:rPr>
-              <a:t>   firstName:</a:t>
+              <a:t>  </a:t>
+            </a:r>
+            <a:r>
+              <a:rPr lang="en" sz="1200">
+                <a:solidFill>
+                  <a:srgbClr val="0000CD"/>
+                </a:solidFill>
+                <a:highlight>
+                  <a:srgbClr val="FFFFFF"/>
+                </a:highlight>
+                <a:latin typeface="Source Code Pro"/>
+                <a:ea typeface="Source Code Pro"/>
+                <a:cs typeface="Source Code Pro"/>
+                <a:sym typeface="Source Code Pro"/>
+              </a:rPr>
+              <a:t>var</a:t>
+            </a:r>
+            <a:r>
+              <a:rPr lang="en" sz="1200">
+                <a:solidFill>
+                  <a:srgbClr val="000000"/>
+                </a:solidFill>
+                <a:highlight>
+                  <a:srgbClr val="FFFFFF"/>
+                </a:highlight>
+                <a:latin typeface="Source Code Pro"/>
+                <a:ea typeface="Source Code Pro"/>
+                <a:cs typeface="Source Code Pro"/>
+                <a:sym typeface="Source Code Pro"/>
+              </a:rPr>
+              <a:t> question = </a:t>
             </a:r>
             <a:r>
               <a:rPr lang="en" sz="1200">
@@ -7236,26 +7536,26 @@
                 <a:cs typeface="Source Code Pro"/>
                 <a:sym typeface="Source Code Pro"/>
               </a:rPr>
-              <a:t>"John"</a:t>
-            </a:r>
-            <a:r>
-              <a:rPr lang="en" sz="1200">
-                <a:solidFill>
-                  <a:srgbClr val="000000"/>
-                </a:solidFill>
-                <a:highlight>
-                  <a:srgbClr val="FFFFFF"/>
-                </a:highlight>
-                <a:latin typeface="Source Code Pro"/>
-                <a:ea typeface="Source Code Pro"/>
-                <a:cs typeface="Source Code Pro"/>
-                <a:sym typeface="Source Code Pro"/>
-              </a:rPr>
-              <a:t>,</a:t>
-            </a:r>
-          </a:p>
-          <a:p>
-            <a:pPr marL="0" lvl="0" indent="0" rtl="0">
+              <a:t>“How are you?”</a:t>
+            </a:r>
+            <a:r>
+              <a:rPr lang="en" sz="1200">
+                <a:solidFill>
+                  <a:srgbClr val="000000"/>
+                </a:solidFill>
+                <a:highlight>
+                  <a:srgbClr val="FFFFFF"/>
+                </a:highlight>
+                <a:latin typeface="Source Code Pro"/>
+                <a:ea typeface="Source Code Pro"/>
+                <a:cs typeface="Source Code Pro"/>
+                <a:sym typeface="Source Code Pro"/>
+              </a:rPr>
+              <a:t>;</a:t>
+            </a:r>
+          </a:p>
+          <a:p>
+            <a:pPr lvl="0" rtl="0">
               <a:lnSpc>
                 <a:spcPct val="115000"/>
               </a:lnSpc>
@@ -7280,37 +7580,37 @@
                 <a:cs typeface="Source Code Pro"/>
                 <a:sym typeface="Source Code Pro"/>
               </a:rPr>
-              <a:t>   lastName:</a:t>
-            </a:r>
-            <a:r>
-              <a:rPr lang="en" sz="1200">
-                <a:solidFill>
-                  <a:srgbClr val="A52A2A"/>
-                </a:solidFill>
-                <a:highlight>
-                  <a:srgbClr val="FFFFFF"/>
-                </a:highlight>
-                <a:latin typeface="Source Code Pro"/>
-                <a:ea typeface="Source Code Pro"/>
-                <a:cs typeface="Source Code Pro"/>
-                <a:sym typeface="Source Code Pro"/>
-              </a:rPr>
-              <a:t>"Doe"</a:t>
-            </a:r>
-            <a:r>
-              <a:rPr lang="en" sz="1200">
-                <a:solidFill>
-                  <a:srgbClr val="000000"/>
-                </a:solidFill>
-                <a:highlight>
-                  <a:srgbClr val="FFFFFF"/>
-                </a:highlight>
-                <a:latin typeface="Source Code Pro"/>
-                <a:ea typeface="Source Code Pro"/>
-                <a:cs typeface="Source Code Pro"/>
-                <a:sym typeface="Source Code Pro"/>
-              </a:rPr>
-              <a:t>,</a:t>
+              <a:t>  </a:t>
+            </a:r>
+            <a:r>
+              <a:rPr lang="en" sz="1200">
+                <a:solidFill>
+                  <a:srgbClr val="0000CD"/>
+                </a:solidFill>
+                <a:highlight>
+                  <a:srgbClr val="FFFFFF"/>
+                </a:highlight>
+                <a:latin typeface="Source Code Pro"/>
+                <a:ea typeface="Source Code Pro"/>
+                <a:cs typeface="Source Code Pro"/>
+                <a:sym typeface="Source Code Pro"/>
+              </a:rPr>
+              <a:t>var</a:t>
+            </a:r>
+            <a:r>
+              <a:rPr lang="en" sz="1200">
+                <a:solidFill>
+                  <a:srgbClr val="000000"/>
+                </a:solidFill>
+                <a:highlight>
+                  <a:srgbClr val="FFFFFF"/>
+                </a:highlight>
+                <a:latin typeface="Source Code Pro"/>
+                <a:ea typeface="Source Code Pro"/>
+                <a:cs typeface="Source Code Pro"/>
+                <a:sym typeface="Source Code Pro"/>
+              </a:rPr>
+              <a:t> line = greeting + question;    </a:t>
             </a:r>
           </a:p>
           <a:p>
@@ -7339,37 +7639,7 @@
                 <a:cs typeface="Source Code Pro"/>
                 <a:sym typeface="Source Code Pro"/>
               </a:rPr>
-              <a:t>   age:</a:t>
-            </a:r>
-            <a:r>
-              <a:rPr lang="en" sz="1200">
-                <a:solidFill>
-                  <a:srgbClr val="FF0000"/>
-                </a:solidFill>
-                <a:highlight>
-                  <a:srgbClr val="FFFFFF"/>
-                </a:highlight>
-                <a:latin typeface="Source Code Pro"/>
-                <a:ea typeface="Source Code Pro"/>
-                <a:cs typeface="Source Code Pro"/>
-                <a:sym typeface="Source Code Pro"/>
-              </a:rPr>
-              <a:t>50</a:t>
-            </a:r>
-            <a:r>
-              <a:rPr lang="en" sz="1200">
-                <a:solidFill>
-                  <a:srgbClr val="000000"/>
-                </a:solidFill>
-                <a:highlight>
-                  <a:srgbClr val="FFFFFF"/>
-                </a:highlight>
-                <a:latin typeface="Source Code Pro"/>
-                <a:ea typeface="Source Code Pro"/>
-                <a:cs typeface="Source Code Pro"/>
-                <a:sym typeface="Source Code Pro"/>
-              </a:rPr>
-              <a:t>,</a:t>
+              <a:t>  return age;</a:t>
             </a:r>
           </a:p>
           <a:p>
@@ -7398,22 +7668,7 @@
                 <a:cs typeface="Source Code Pro"/>
                 <a:sym typeface="Source Code Pro"/>
               </a:rPr>
-              <a:t>   eyeColor:</a:t>
-            </a:r>
-            <a:r>
-              <a:rPr lang="en" sz="1200">
-                <a:solidFill>
-                  <a:srgbClr val="A52A2A"/>
-                </a:solidFill>
-                <a:highlight>
-                  <a:srgbClr val="FFFFFF"/>
-                </a:highlight>
-                <a:latin typeface="Source Code Pro"/>
-                <a:ea typeface="Source Code Pro"/>
-                <a:cs typeface="Source Code Pro"/>
-                <a:sym typeface="Source Code Pro"/>
-              </a:rPr>
-              <a:t>"blue"</a:t>
+              <a:t>}</a:t>
             </a:r>
           </a:p>
           <a:p>
@@ -7432,35 +7687,6 @@
             <a:r>
               <a:rPr lang="en" sz="1200">
                 <a:solidFill>
-                  <a:srgbClr val="000000"/>
-                </a:solidFill>
-                <a:highlight>
-                  <a:srgbClr val="FFFFFF"/>
-                </a:highlight>
-                <a:latin typeface="Source Code Pro"/>
-                <a:ea typeface="Source Code Pro"/>
-                <a:cs typeface="Source Code Pro"/>
-                <a:sym typeface="Source Code Pro"/>
-              </a:rPr>
-              <a:t>};</a:t>
-            </a:r>
-          </a:p>
-          <a:p>
-            <a:pPr lvl="0" rtl="0">
-              <a:lnSpc>
-                <a:spcPct val="115000"/>
-              </a:lnSpc>
-              <a:spcBef>
-                <a:spcPts val="0"/>
-              </a:spcBef>
-              <a:spcAft>
-                <a:spcPts val="0"/>
-              </a:spcAft>
-              <a:buNone/>
-            </a:pPr>
-            <a:r>
-              <a:rPr lang="en" sz="1200">
-                <a:solidFill>
                   <a:srgbClr val="0000CD"/>
                 </a:solidFill>
                 <a:highlight>
@@ -7486,7 +7712,7 @@
                 <a:cs typeface="Source Code Pro"/>
                 <a:sym typeface="Source Code Pro"/>
               </a:rPr>
-              <a:t> firstName1 = person.firstName;   </a:t>
+              <a:t> result = myFunction(“Crystal”, 22);  </a:t>
             </a:r>
             <a:r>
               <a:rPr lang="en" sz="1200">
@@ -7501,8 +7727,17 @@
                 <a:cs typeface="Source Code Pro"/>
                 <a:sym typeface="Source Code Pro"/>
               </a:rPr>
-              <a:t>//firstName1 = “John”</a:t>
-            </a:r>
+              <a:t>// result = 22</a:t>
+            </a:r>
+          </a:p>
+          <a:p>
+            <a:pPr lvl="0">
+              <a:spcBef>
+                <a:spcPts val="0"/>
+              </a:spcBef>
+              <a:buNone/>
+            </a:pPr>
+            <a:endParaRPr/>
           </a:p>
         </p:txBody>
       </p:sp>
@@ -7564,7 +7799,7 @@
             </a:pPr>
             <a:r>
               <a:rPr lang="en"/>
-              <a:t>Objects: function declaration</a:t>
+              <a:t>Functions</a:t>
             </a:r>
           </a:p>
         </p:txBody>
@@ -7594,6 +7829,61 @@
           </a:bodyPr>
           <a:lstStyle/>
           <a:p>
+            <a:pPr marL="457200" lvl="0" indent="-228600" rtl="0">
+              <a:lnSpc>
+                <a:spcPct val="200000"/>
+              </a:lnSpc>
+              <a:spcBef>
+                <a:spcPts val="0"/>
+              </a:spcBef>
+              <a:spcAft>
+                <a:spcPts val="0"/>
+              </a:spcAft>
+            </a:pPr>
+            <a:r>
+              <a:rPr lang="en"/>
+              <a:t>() invokes the function!</a:t>
+            </a:r>
+          </a:p>
+          <a:p>
+            <a:pPr marL="457200" lvl="0" indent="-228600" rtl="0">
+              <a:lnSpc>
+                <a:spcPct val="115000"/>
+              </a:lnSpc>
+              <a:spcBef>
+                <a:spcPts val="0"/>
+              </a:spcBef>
+              <a:spcAft>
+                <a:spcPts val="0"/>
+              </a:spcAft>
+            </a:pPr>
+            <a:r>
+              <a:rPr lang="en"/>
+              <a:t>Functions called without the () will return the function definition</a:t>
+            </a:r>
+          </a:p>
+          <a:p>
+            <a:pPr marL="914400" lvl="1" indent="-228600" rtl="0">
+              <a:lnSpc>
+                <a:spcPct val="100000"/>
+              </a:lnSpc>
+              <a:spcBef>
+                <a:spcPts val="0"/>
+              </a:spcBef>
+              <a:spcAft>
+                <a:spcPts val="0"/>
+              </a:spcAft>
+            </a:pPr>
+            <a:r>
+              <a:rPr lang="en">
+                <a:highlight>
+                  <a:srgbClr val="FFFFFF"/>
+                </a:highlight>
+              </a:rPr>
+              <a:t>Why might this be useful? Later on, we’ll learn about passing functions around as callbacks.</a:t>
+            </a:r>
+          </a:p>
+          <a:p>
             <a:pPr lvl="0" rtl="0">
               <a:lnSpc>
                 <a:spcPct val="115000"/>
@@ -7606,6 +7896,21 @@
               </a:spcAft>
               <a:buNone/>
             </a:pPr>
+            <a:endParaRPr/>
+          </a:p>
+          <a:p>
+            <a:pPr marL="457200" lvl="0" indent="0" rtl="0">
+              <a:lnSpc>
+                <a:spcPct val="115000"/>
+              </a:lnSpc>
+              <a:spcBef>
+                <a:spcPts val="0"/>
+              </a:spcBef>
+              <a:spcAft>
+                <a:spcPts val="0"/>
+              </a:spcAft>
+              <a:buNone/>
+            </a:pPr>
             <a:r>
               <a:rPr lang="en" sz="1200">
                 <a:solidFill>
@@ -7634,11 +7939,11 @@
                 <a:cs typeface="Source Code Pro"/>
                 <a:sym typeface="Source Code Pro"/>
               </a:rPr>
-              <a:t> person(firstName, lastName, age, eyeColor) {</a:t>
-            </a:r>
-          </a:p>
-          <a:p>
-            <a:pPr lvl="0" rtl="0">
+              <a:t> toCelsius(fahrenheit) {</a:t>
+            </a:r>
+          </a:p>
+          <a:p>
+            <a:pPr marL="457200" lvl="0" indent="0" rtl="0">
               <a:lnSpc>
                 <a:spcPct val="115000"/>
               </a:lnSpc>
@@ -7678,26 +7983,116 @@
                 <a:cs typeface="Source Code Pro"/>
                 <a:sym typeface="Source Code Pro"/>
               </a:rPr>
-              <a:t>this</a:t>
-            </a:r>
-            <a:r>
-              <a:rPr lang="en" sz="1200">
-                <a:solidFill>
-                  <a:srgbClr val="000000"/>
-                </a:solidFill>
-                <a:highlight>
-                  <a:srgbClr val="FFFFFF"/>
-                </a:highlight>
-                <a:latin typeface="Source Code Pro"/>
-                <a:ea typeface="Source Code Pro"/>
-                <a:cs typeface="Source Code Pro"/>
-                <a:sym typeface="Source Code Pro"/>
-              </a:rPr>
-              <a:t>.firstName = firstName; </a:t>
-            </a:r>
-          </a:p>
-          <a:p>
-            <a:pPr lvl="0" rtl="0">
+              <a:t>return</a:t>
+            </a:r>
+            <a:r>
+              <a:rPr lang="en" sz="1200">
+                <a:solidFill>
+                  <a:srgbClr val="000000"/>
+                </a:solidFill>
+                <a:highlight>
+                  <a:srgbClr val="FFFFFF"/>
+                </a:highlight>
+                <a:latin typeface="Source Code Pro"/>
+                <a:ea typeface="Source Code Pro"/>
+                <a:cs typeface="Source Code Pro"/>
+                <a:sym typeface="Source Code Pro"/>
+              </a:rPr>
+              <a:t> (</a:t>
+            </a:r>
+            <a:r>
+              <a:rPr lang="en" sz="1200">
+                <a:solidFill>
+                  <a:srgbClr val="FF0000"/>
+                </a:solidFill>
+                <a:highlight>
+                  <a:srgbClr val="FFFFFF"/>
+                </a:highlight>
+                <a:latin typeface="Source Code Pro"/>
+                <a:ea typeface="Source Code Pro"/>
+                <a:cs typeface="Source Code Pro"/>
+                <a:sym typeface="Source Code Pro"/>
+              </a:rPr>
+              <a:t>5</a:t>
+            </a:r>
+            <a:r>
+              <a:rPr lang="en" sz="1200">
+                <a:solidFill>
+                  <a:srgbClr val="000000"/>
+                </a:solidFill>
+                <a:highlight>
+                  <a:srgbClr val="FFFFFF"/>
+                </a:highlight>
+                <a:latin typeface="Source Code Pro"/>
+                <a:ea typeface="Source Code Pro"/>
+                <a:cs typeface="Source Code Pro"/>
+                <a:sym typeface="Source Code Pro"/>
+              </a:rPr>
+              <a:t>/</a:t>
+            </a:r>
+            <a:r>
+              <a:rPr lang="en" sz="1200">
+                <a:solidFill>
+                  <a:srgbClr val="FF0000"/>
+                </a:solidFill>
+                <a:highlight>
+                  <a:srgbClr val="FFFFFF"/>
+                </a:highlight>
+                <a:latin typeface="Source Code Pro"/>
+                <a:ea typeface="Source Code Pro"/>
+                <a:cs typeface="Source Code Pro"/>
+                <a:sym typeface="Source Code Pro"/>
+              </a:rPr>
+              <a:t>9</a:t>
+            </a:r>
+            <a:r>
+              <a:rPr lang="en" sz="1200">
+                <a:solidFill>
+                  <a:srgbClr val="000000"/>
+                </a:solidFill>
+                <a:highlight>
+                  <a:srgbClr val="FFFFFF"/>
+                </a:highlight>
+                <a:latin typeface="Source Code Pro"/>
+                <a:ea typeface="Source Code Pro"/>
+                <a:cs typeface="Source Code Pro"/>
+                <a:sym typeface="Source Code Pro"/>
+              </a:rPr>
+              <a:t>) * (fahrenheit-</a:t>
+            </a:r>
+            <a:r>
+              <a:rPr lang="en" sz="1200">
+                <a:solidFill>
+                  <a:srgbClr val="FF0000"/>
+                </a:solidFill>
+                <a:highlight>
+                  <a:srgbClr val="FFFFFF"/>
+                </a:highlight>
+                <a:latin typeface="Source Code Pro"/>
+                <a:ea typeface="Source Code Pro"/>
+                <a:cs typeface="Source Code Pro"/>
+                <a:sym typeface="Source Code Pro"/>
+              </a:rPr>
+              <a:t>32</a:t>
+            </a:r>
+            <a:r>
+              <a:rPr lang="en" sz="1200">
+                <a:solidFill>
+                  <a:srgbClr val="000000"/>
+                </a:solidFill>
+                <a:highlight>
+                  <a:srgbClr val="FFFFFF"/>
+                </a:highlight>
+                <a:latin typeface="Source Code Pro"/>
+                <a:ea typeface="Source Code Pro"/>
+                <a:cs typeface="Source Code Pro"/>
+                <a:sym typeface="Source Code Pro"/>
+              </a:rPr>
+              <a:t>);</a:t>
+            </a:r>
+          </a:p>
+          <a:p>
+            <a:pPr marL="457200" lvl="0" indent="0" rtl="0">
               <a:lnSpc>
                 <a:spcPct val="115000"/>
               </a:lnSpc>
@@ -7722,8 +8117,22 @@
                 <a:cs typeface="Source Code Pro"/>
                 <a:sym typeface="Source Code Pro"/>
               </a:rPr>
-              <a:t>	</a:t>
-            </a:r>
+              <a:t>}</a:t>
+            </a:r>
+          </a:p>
+          <a:p>
+            <a:pPr marL="457200" lvl="0" indent="0" rtl="0">
+              <a:lnSpc>
+                <a:spcPct val="100000"/>
+              </a:lnSpc>
+              <a:spcBef>
+                <a:spcPts val="0"/>
+              </a:spcBef>
+              <a:spcAft>
+                <a:spcPts val="0"/>
+              </a:spcAft>
+              <a:buNone/>
+            </a:pPr>
             <a:r>
               <a:rPr lang="en" sz="1200">
                 <a:solidFill>
@@ -7737,404 +8146,6 @@
                 <a:cs typeface="Source Code Pro"/>
                 <a:sym typeface="Source Code Pro"/>
               </a:rPr>
-              <a:t>this</a:t>
-            </a:r>
-            <a:r>
-              <a:rPr lang="en" sz="1200">
-                <a:solidFill>
-                  <a:srgbClr val="000000"/>
-                </a:solidFill>
-                <a:highlight>
-                  <a:srgbClr val="FFFFFF"/>
-                </a:highlight>
-                <a:latin typeface="Source Code Pro"/>
-                <a:ea typeface="Source Code Pro"/>
-                <a:cs typeface="Source Code Pro"/>
-                <a:sym typeface="Source Code Pro"/>
-              </a:rPr>
-              <a:t>.lastName = lastName;</a:t>
-            </a:r>
-          </a:p>
-          <a:p>
-            <a:pPr lvl="0" rtl="0">
-              <a:lnSpc>
-                <a:spcPct val="115000"/>
-              </a:lnSpc>
-              <a:spcBef>
-                <a:spcPts val="0"/>
-              </a:spcBef>
-              <a:spcAft>
-                <a:spcPts val="0"/>
-              </a:spcAft>
-              <a:buNone/>
-            </a:pPr>
-            <a:r>
-              <a:rPr lang="en" sz="1200">
-                <a:solidFill>
-                  <a:srgbClr val="000000"/>
-                </a:solidFill>
-                <a:highlight>
-                  <a:srgbClr val="FFFFFF"/>
-                </a:highlight>
-                <a:latin typeface="Source Code Pro"/>
-                <a:ea typeface="Source Code Pro"/>
-                <a:cs typeface="Source Code Pro"/>
-                <a:sym typeface="Source Code Pro"/>
-              </a:rPr>
-              <a:t>	</a:t>
-            </a:r>
-            <a:r>
-              <a:rPr lang="en" sz="1200">
-                <a:solidFill>
-                  <a:srgbClr val="0000CD"/>
-                </a:solidFill>
-                <a:highlight>
-                  <a:srgbClr val="FFFFFF"/>
-                </a:highlight>
-                <a:latin typeface="Source Code Pro"/>
-                <a:ea typeface="Source Code Pro"/>
-                <a:cs typeface="Source Code Pro"/>
-                <a:sym typeface="Source Code Pro"/>
-              </a:rPr>
-              <a:t>this</a:t>
-            </a:r>
-            <a:r>
-              <a:rPr lang="en" sz="1200">
-                <a:solidFill>
-                  <a:srgbClr val="000000"/>
-                </a:solidFill>
-                <a:highlight>
-                  <a:srgbClr val="FFFFFF"/>
-                </a:highlight>
-                <a:latin typeface="Source Code Pro"/>
-                <a:ea typeface="Source Code Pro"/>
-                <a:cs typeface="Source Code Pro"/>
-                <a:sym typeface="Source Code Pro"/>
-              </a:rPr>
-              <a:t>.age = age;</a:t>
-            </a:r>
-          </a:p>
-          <a:p>
-            <a:pPr lvl="0" rtl="0">
-              <a:lnSpc>
-                <a:spcPct val="115000"/>
-              </a:lnSpc>
-              <a:spcBef>
-                <a:spcPts val="0"/>
-              </a:spcBef>
-              <a:spcAft>
-                <a:spcPts val="0"/>
-              </a:spcAft>
-              <a:buNone/>
-            </a:pPr>
-            <a:r>
-              <a:rPr lang="en" sz="1200">
-                <a:solidFill>
-                  <a:srgbClr val="000000"/>
-                </a:solidFill>
-                <a:highlight>
-                  <a:srgbClr val="FFFFFF"/>
-                </a:highlight>
-                <a:latin typeface="Source Code Pro"/>
-                <a:ea typeface="Source Code Pro"/>
-                <a:cs typeface="Source Code Pro"/>
-                <a:sym typeface="Source Code Pro"/>
-              </a:rPr>
-              <a:t>	</a:t>
-            </a:r>
-            <a:r>
-              <a:rPr lang="en" sz="1200">
-                <a:solidFill>
-                  <a:srgbClr val="0000CD"/>
-                </a:solidFill>
-                <a:highlight>
-                  <a:srgbClr val="FFFFFF"/>
-                </a:highlight>
-                <a:latin typeface="Source Code Pro"/>
-                <a:ea typeface="Source Code Pro"/>
-                <a:cs typeface="Source Code Pro"/>
-                <a:sym typeface="Source Code Pro"/>
-              </a:rPr>
-              <a:t>this</a:t>
-            </a:r>
-            <a:r>
-              <a:rPr lang="en" sz="1200">
-                <a:solidFill>
-                  <a:srgbClr val="000000"/>
-                </a:solidFill>
-                <a:highlight>
-                  <a:srgbClr val="FFFFFF"/>
-                </a:highlight>
-                <a:latin typeface="Source Code Pro"/>
-                <a:ea typeface="Source Code Pro"/>
-                <a:cs typeface="Source Code Pro"/>
-                <a:sym typeface="Source Code Pro"/>
-              </a:rPr>
-              <a:t>.eyeColor = eyeColor;</a:t>
-            </a:r>
-          </a:p>
-          <a:p>
-            <a:pPr lvl="0" rtl="0">
-              <a:lnSpc>
-                <a:spcPct val="115000"/>
-              </a:lnSpc>
-              <a:spcBef>
-                <a:spcPts val="0"/>
-              </a:spcBef>
-              <a:spcAft>
-                <a:spcPts val="0"/>
-              </a:spcAft>
-              <a:buNone/>
-            </a:pPr>
-            <a:r>
-              <a:rPr lang="en" sz="1200">
-                <a:solidFill>
-                  <a:srgbClr val="000000"/>
-                </a:solidFill>
-                <a:highlight>
-                  <a:srgbClr val="FFFFFF"/>
-                </a:highlight>
-                <a:latin typeface="Source Code Pro"/>
-                <a:ea typeface="Source Code Pro"/>
-                <a:cs typeface="Source Code Pro"/>
-                <a:sym typeface="Source Code Pro"/>
-              </a:rPr>
-              <a:t>	</a:t>
-            </a:r>
-            <a:r>
-              <a:rPr lang="en" sz="1200">
-                <a:solidFill>
-                  <a:srgbClr val="0000CD"/>
-                </a:solidFill>
-                <a:highlight>
-                  <a:srgbClr val="FFFFFF"/>
-                </a:highlight>
-                <a:latin typeface="Source Code Pro"/>
-                <a:ea typeface="Source Code Pro"/>
-                <a:cs typeface="Source Code Pro"/>
-                <a:sym typeface="Source Code Pro"/>
-              </a:rPr>
-              <a:t>this</a:t>
-            </a:r>
-            <a:r>
-              <a:rPr lang="en" sz="1200">
-                <a:solidFill>
-                  <a:srgbClr val="000000"/>
-                </a:solidFill>
-                <a:highlight>
-                  <a:srgbClr val="FFFFFF"/>
-                </a:highlight>
-                <a:latin typeface="Source Code Pro"/>
-                <a:ea typeface="Source Code Pro"/>
-                <a:cs typeface="Source Code Pro"/>
-                <a:sym typeface="Source Code Pro"/>
-              </a:rPr>
-              <a:t>.changeName = </a:t>
-            </a:r>
-            <a:r>
-              <a:rPr lang="en" sz="1200">
-                <a:solidFill>
-                  <a:srgbClr val="0000CD"/>
-                </a:solidFill>
-                <a:highlight>
-                  <a:srgbClr val="FFFFFF"/>
-                </a:highlight>
-                <a:latin typeface="Source Code Pro"/>
-                <a:ea typeface="Source Code Pro"/>
-                <a:cs typeface="Source Code Pro"/>
-                <a:sym typeface="Source Code Pro"/>
-              </a:rPr>
-              <a:t>function</a:t>
-            </a:r>
-            <a:r>
-              <a:rPr lang="en" sz="1200">
-                <a:solidFill>
-                  <a:srgbClr val="000000"/>
-                </a:solidFill>
-                <a:highlight>
-                  <a:srgbClr val="FFFFFF"/>
-                </a:highlight>
-                <a:latin typeface="Source Code Pro"/>
-                <a:ea typeface="Source Code Pro"/>
-                <a:cs typeface="Source Code Pro"/>
-                <a:sym typeface="Source Code Pro"/>
-              </a:rPr>
-              <a:t> (name) {</a:t>
-            </a:r>
-          </a:p>
-          <a:p>
-            <a:pPr lvl="0" rtl="0">
-              <a:lnSpc>
-                <a:spcPct val="115000"/>
-              </a:lnSpc>
-              <a:spcBef>
-                <a:spcPts val="0"/>
-              </a:spcBef>
-              <a:spcAft>
-                <a:spcPts val="0"/>
-              </a:spcAft>
-              <a:buNone/>
-            </a:pPr>
-            <a:r>
-              <a:rPr lang="en" sz="1200">
-                <a:solidFill>
-                  <a:srgbClr val="000000"/>
-                </a:solidFill>
-                <a:highlight>
-                  <a:srgbClr val="FFFFFF"/>
-                </a:highlight>
-                <a:latin typeface="Source Code Pro"/>
-                <a:ea typeface="Source Code Pro"/>
-                <a:cs typeface="Source Code Pro"/>
-                <a:sym typeface="Source Code Pro"/>
-              </a:rPr>
-              <a:t>    		</a:t>
-            </a:r>
-            <a:r>
-              <a:rPr lang="en" sz="1200">
-                <a:solidFill>
-                  <a:srgbClr val="0000CD"/>
-                </a:solidFill>
-                <a:highlight>
-                  <a:srgbClr val="FFFFFF"/>
-                </a:highlight>
-                <a:latin typeface="Source Code Pro"/>
-                <a:ea typeface="Source Code Pro"/>
-                <a:cs typeface="Source Code Pro"/>
-                <a:sym typeface="Source Code Pro"/>
-              </a:rPr>
-              <a:t>this</a:t>
-            </a:r>
-            <a:r>
-              <a:rPr lang="en" sz="1200">
-                <a:solidFill>
-                  <a:srgbClr val="000000"/>
-                </a:solidFill>
-                <a:highlight>
-                  <a:srgbClr val="FFFFFF"/>
-                </a:highlight>
-                <a:latin typeface="Source Code Pro"/>
-                <a:ea typeface="Source Code Pro"/>
-                <a:cs typeface="Source Code Pro"/>
-                <a:sym typeface="Source Code Pro"/>
-              </a:rPr>
-              <a:t>.lastName = name;</a:t>
-            </a:r>
-          </a:p>
-          <a:p>
-            <a:pPr lvl="0" rtl="0">
-              <a:lnSpc>
-                <a:spcPct val="115000"/>
-              </a:lnSpc>
-              <a:spcBef>
-                <a:spcPts val="0"/>
-              </a:spcBef>
-              <a:spcAft>
-                <a:spcPts val="0"/>
-              </a:spcAft>
-              <a:buNone/>
-            </a:pPr>
-            <a:r>
-              <a:rPr lang="en" sz="1200">
-                <a:solidFill>
-                  <a:srgbClr val="000000"/>
-                </a:solidFill>
-                <a:highlight>
-                  <a:srgbClr val="FFFFFF"/>
-                </a:highlight>
-                <a:latin typeface="Source Code Pro"/>
-                <a:ea typeface="Source Code Pro"/>
-                <a:cs typeface="Source Code Pro"/>
-                <a:sym typeface="Source Code Pro"/>
-              </a:rPr>
-              <a:t>   </a:t>
-            </a:r>
-            <a:r>
-              <a:rPr lang="en" sz="1200">
-                <a:solidFill>
-                  <a:srgbClr val="FF0000"/>
-                </a:solidFill>
-                <a:highlight>
-                  <a:srgbClr val="FFFFFF"/>
-                </a:highlight>
-                <a:latin typeface="Source Code Pro"/>
-                <a:ea typeface="Source Code Pro"/>
-                <a:cs typeface="Source Code Pro"/>
-                <a:sym typeface="Source Code Pro"/>
-              </a:rPr>
-              <a:t> </a:t>
-            </a:r>
-            <a:r>
-              <a:rPr lang="en" sz="1200">
-                <a:solidFill>
-                  <a:srgbClr val="000000"/>
-                </a:solidFill>
-                <a:highlight>
-                  <a:srgbClr val="FFFFFF"/>
-                </a:highlight>
-                <a:latin typeface="Source Code Pro"/>
-                <a:ea typeface="Source Code Pro"/>
-                <a:cs typeface="Source Code Pro"/>
-                <a:sym typeface="Source Code Pro"/>
-              </a:rPr>
-              <a:t>};</a:t>
-            </a:r>
-          </a:p>
-          <a:p>
-            <a:pPr lvl="0" rtl="0">
-              <a:lnSpc>
-                <a:spcPct val="115000"/>
-              </a:lnSpc>
-              <a:spcBef>
-                <a:spcPts val="0"/>
-              </a:spcBef>
-              <a:spcAft>
-                <a:spcPts val="0"/>
-              </a:spcAft>
-              <a:buNone/>
-            </a:pPr>
-            <a:r>
-              <a:rPr lang="en" sz="1200">
-                <a:solidFill>
-                  <a:srgbClr val="000000"/>
-                </a:solidFill>
-                <a:highlight>
-                  <a:srgbClr val="FFFFFF"/>
-                </a:highlight>
-                <a:latin typeface="Source Code Pro"/>
-                <a:ea typeface="Source Code Pro"/>
-                <a:cs typeface="Source Code Pro"/>
-                <a:sym typeface="Source Code Pro"/>
-              </a:rPr>
-              <a:t>}</a:t>
-            </a:r>
-          </a:p>
-          <a:p>
-            <a:pPr lvl="0" rtl="0">
-              <a:lnSpc>
-                <a:spcPct val="115000"/>
-              </a:lnSpc>
-              <a:spcBef>
-                <a:spcPts val="0"/>
-              </a:spcBef>
-              <a:spcAft>
-                <a:spcPts val="0"/>
-              </a:spcAft>
-              <a:buNone/>
-            </a:pPr>
-            <a:r>
-              <a:rPr lang="en" sz="1200">
-                <a:solidFill>
-                  <a:srgbClr val="0000CD"/>
-                </a:solidFill>
-                <a:highlight>
-                  <a:srgbClr val="FFFFFF"/>
-                </a:highlight>
-                <a:latin typeface="Source Code Pro"/>
-                <a:ea typeface="Source Code Pro"/>
-                <a:cs typeface="Source Code Pro"/>
-                <a:sym typeface="Source Code Pro"/>
-              </a:rPr>
               <a:t>var</a:t>
             </a:r>
             <a:r>
@@ -8150,80 +8161,94 @@
                 <a:cs typeface="Source Code Pro"/>
                 <a:sym typeface="Source Code Pro"/>
               </a:rPr>
-              <a:t> myMother = person(“Mommy”, “Dearest”, 45, “brown”);</a:t>
-            </a:r>
-          </a:p>
-          <a:p>
-            <a:pPr lvl="0" rtl="0">
-              <a:lnSpc>
-                <a:spcPct val="115000"/>
-              </a:lnSpc>
-              <a:spcBef>
-                <a:spcPts val="0"/>
-              </a:spcBef>
-              <a:spcAft>
-                <a:spcPts val="0"/>
-              </a:spcAft>
-              <a:buNone/>
-            </a:pPr>
-            <a:r>
-              <a:rPr lang="en" sz="1200">
-                <a:solidFill>
-                  <a:srgbClr val="000000"/>
-                </a:solidFill>
-                <a:highlight>
-                  <a:srgbClr val="FFFFFF"/>
-                </a:highlight>
-                <a:latin typeface="Source Code Pro"/>
-                <a:ea typeface="Source Code Pro"/>
-                <a:cs typeface="Source Code Pro"/>
-                <a:sym typeface="Source Code Pro"/>
-              </a:rPr>
-              <a:t>myMother.changeName(</a:t>
-            </a:r>
-            <a:r>
-              <a:rPr lang="en" sz="1200">
-                <a:solidFill>
-                  <a:srgbClr val="A52A2A"/>
-                </a:solidFill>
-                <a:highlight>
-                  <a:srgbClr val="FFFFFF"/>
-                </a:highlight>
-                <a:latin typeface="Source Code Pro"/>
-                <a:ea typeface="Source Code Pro"/>
-                <a:cs typeface="Source Code Pro"/>
-                <a:sym typeface="Source Code Pro"/>
-              </a:rPr>
-              <a:t>"Doe"</a:t>
-            </a:r>
-            <a:r>
-              <a:rPr lang="en" sz="1200">
-                <a:solidFill>
-                  <a:srgbClr val="000000"/>
-                </a:solidFill>
-                <a:highlight>
-                  <a:srgbClr val="FFFFFF"/>
-                </a:highlight>
-                <a:latin typeface="Source Code Pro"/>
-                <a:ea typeface="Source Code Pro"/>
-                <a:cs typeface="Source Code Pro"/>
-                <a:sym typeface="Source Code Pro"/>
-              </a:rPr>
-              <a:t>);</a:t>
-            </a:r>
-          </a:p>
-          <a:p>
-            <a:pPr lvl="0">
-              <a:spcBef>
-                <a:spcPts val="0"/>
-              </a:spcBef>
-              <a:buNone/>
-            </a:pPr>
-            <a:endParaRPr>
+              <a:t> function1 = toCelsius; </a:t>
+            </a:r>
+            <a:r>
+              <a:rPr lang="en" sz="1200">
+                <a:solidFill>
+                  <a:srgbClr val="999999"/>
+                </a:solidFill>
+                <a:highlight>
+                  <a:srgbClr val="FFFFFF"/>
+                </a:highlight>
+                <a:latin typeface="Source Code Pro"/>
+                <a:ea typeface="Source Code Pro"/>
+                <a:cs typeface="Source Code Pro"/>
+                <a:sym typeface="Source Code Pro"/>
+              </a:rPr>
+              <a:t>// </a:t>
+            </a:r>
+            <a:r>
+              <a:rPr lang="en" sz="1200">
+                <a:solidFill>
+                  <a:srgbClr val="999999"/>
+                </a:solidFill>
+                <a:latin typeface="Source Code Pro"/>
+                <a:ea typeface="Source Code Pro"/>
+                <a:cs typeface="Source Code Pro"/>
+                <a:sym typeface="Source Code Pro"/>
+              </a:rPr>
+              <a:t>function1</a:t>
+            </a:r>
+            <a:r>
+              <a:rPr lang="en" sz="1200">
+                <a:solidFill>
+                  <a:srgbClr val="999999"/>
+                </a:solidFill>
+                <a:highlight>
+                  <a:srgbClr val="FFFFFF"/>
+                </a:highlight>
+                <a:latin typeface="Source Code Pro"/>
+                <a:ea typeface="Source Code Pro"/>
+                <a:cs typeface="Source Code Pro"/>
+                <a:sym typeface="Source Code Pro"/>
+              </a:rPr>
+              <a:t> = function(f) { return (5/9) * (f-32); }</a:t>
+            </a:r>
+          </a:p>
+          <a:p>
+            <a:pPr marL="457200" lvl="0" indent="0" rtl="0">
+              <a:lnSpc>
+                <a:spcPct val="100000"/>
+              </a:lnSpc>
+              <a:spcBef>
+                <a:spcPts val="0"/>
+              </a:spcBef>
+              <a:spcAft>
+                <a:spcPts val="0"/>
+              </a:spcAft>
+              <a:buNone/>
+            </a:pPr>
+            <a:endParaRPr sz="1200">
+              <a:solidFill>
+                <a:srgbClr val="999999"/>
+              </a:solidFill>
+              <a:highlight>
+                <a:srgbClr val="FFFFFF"/>
+              </a:highlight>
               <a:latin typeface="Source Code Pro"/>
               <a:ea typeface="Source Code Pro"/>
               <a:cs typeface="Source Code Pro"/>
               <a:sym typeface="Source Code Pro"/>
+            </a:endParaRPr>
+          </a:p>
+          <a:p>
+            <a:pPr lvl="0" rtl="0">
+              <a:lnSpc>
+                <a:spcPct val="100000"/>
+              </a:lnSpc>
+              <a:spcBef>
+                <a:spcPts val="0"/>
+              </a:spcBef>
+              <a:spcAft>
+                <a:spcPts val="0"/>
+              </a:spcAft>
+              <a:buNone/>
+            </a:pPr>
+            <a:endParaRPr sz="1200">
+              <a:highlight>
+                <a:srgbClr val="FFFFFF"/>
+              </a:highlight>
             </a:endParaRPr>
           </a:p>
         </p:txBody>
@@ -8349,7 +8374,7 @@
             </a:pPr>
             <a:r>
               <a:rPr lang="en"/>
-              <a:t>Functions</a:t>
+              <a:t>Objects: variable declaration</a:t>
             </a:r>
           </a:p>
         </p:txBody>
@@ -8379,17 +8404,6 @@
           </a:bodyPr>
           <a:lstStyle/>
           <a:p>
-            <a:pPr marL="457200" lvl="0" indent="-228600" rtl="0">
-              <a:spcBef>
-                <a:spcPts val="0"/>
-              </a:spcBef>
-            </a:pPr>
-            <a:r>
-              <a:rPr lang="en" dirty="0"/>
-              <a:t>aka methods</a:t>
-            </a:r>
-          </a:p>
-          <a:p>
             <a:pPr lvl="0" rtl="0">
               <a:lnSpc>
                 <a:spcPct val="115000"/>
@@ -8403,7 +8417,7 @@
               <a:buNone/>
             </a:pPr>
             <a:r>
-              <a:rPr lang="en" sz="1200" dirty="0">
+              <a:rPr lang="en" sz="1200">
                 <a:solidFill>
                   <a:srgbClr val="0000CD"/>
                 </a:solidFill>
@@ -8415,22 +8429,22 @@
                 <a:cs typeface="Source Code Pro"/>
                 <a:sym typeface="Source Code Pro"/>
               </a:rPr>
-              <a:t>function</a:t>
-            </a:r>
-            <a:r>
-              <a:rPr lang="en" sz="1200" dirty="0">
-                <a:solidFill>
-                  <a:srgbClr val="000000"/>
-                </a:solidFill>
-                <a:highlight>
-                  <a:srgbClr val="FFFFFF"/>
-                </a:highlight>
-                <a:latin typeface="Source Code Pro"/>
-                <a:ea typeface="Source Code Pro"/>
-                <a:cs typeface="Source Code Pro"/>
-                <a:sym typeface="Source Code Pro"/>
-              </a:rPr>
-              <a:t> myFunction(name, age) {</a:t>
+              <a:t>var</a:t>
+            </a:r>
+            <a:r>
+              <a:rPr lang="en" sz="1200">
+                <a:solidFill>
+                  <a:srgbClr val="000000"/>
+                </a:solidFill>
+                <a:highlight>
+                  <a:srgbClr val="FFFFFF"/>
+                </a:highlight>
+                <a:latin typeface="Source Code Pro"/>
+                <a:ea typeface="Source Code Pro"/>
+                <a:cs typeface="Source Code Pro"/>
+                <a:sym typeface="Source Code Pro"/>
+              </a:rPr>
+              <a:t> person = {</a:t>
             </a:r>
           </a:p>
           <a:p>
@@ -8447,52 +8461,22 @@
               <a:buNone/>
             </a:pPr>
             <a:r>
-              <a:rPr lang="en" sz="1200" dirty="0">
-                <a:solidFill>
-                  <a:srgbClr val="000000"/>
-                </a:solidFill>
-                <a:highlight>
-                  <a:srgbClr val="FFFFFF"/>
-                </a:highlight>
-                <a:latin typeface="Source Code Pro"/>
-                <a:ea typeface="Source Code Pro"/>
-                <a:cs typeface="Source Code Pro"/>
-                <a:sym typeface="Source Code Pro"/>
-              </a:rPr>
-              <a:t>  </a:t>
-            </a:r>
-            <a:r>
-              <a:rPr lang="en" sz="1200" dirty="0">
-                <a:solidFill>
-                  <a:srgbClr val="0000CD"/>
-                </a:solidFill>
-                <a:highlight>
-                  <a:srgbClr val="FFFFFF"/>
-                </a:highlight>
-                <a:latin typeface="Source Code Pro"/>
-                <a:ea typeface="Source Code Pro"/>
-                <a:cs typeface="Source Code Pro"/>
-                <a:sym typeface="Source Code Pro"/>
-              </a:rPr>
-              <a:t>var</a:t>
-            </a:r>
-            <a:r>
-              <a:rPr lang="en" sz="1200" dirty="0">
-                <a:solidFill>
-                  <a:srgbClr val="000000"/>
-                </a:solidFill>
-                <a:highlight>
-                  <a:srgbClr val="FFFFFF"/>
-                </a:highlight>
-                <a:latin typeface="Source Code Pro"/>
-                <a:ea typeface="Source Code Pro"/>
-                <a:cs typeface="Source Code Pro"/>
-                <a:sym typeface="Source Code Pro"/>
-              </a:rPr>
-              <a:t> greeting = </a:t>
-            </a:r>
-            <a:r>
-              <a:rPr lang="en" sz="1200" dirty="0">
+              <a:rPr lang="en" sz="1200">
+                <a:solidFill>
+                  <a:srgbClr val="000000"/>
+                </a:solidFill>
+                <a:highlight>
+                  <a:srgbClr val="FFFFFF"/>
+                </a:highlight>
+                <a:latin typeface="Source Code Pro"/>
+                <a:ea typeface="Source Code Pro"/>
+                <a:cs typeface="Source Code Pro"/>
+                <a:sym typeface="Source Code Pro"/>
+              </a:rPr>
+              <a:t>   firstName: </a:t>
+            </a:r>
+            <a:r>
+              <a:rPr lang="en" sz="1200">
                 <a:solidFill>
                   <a:srgbClr val="A52A2A"/>
                 </a:solidFill>
@@ -8504,25 +8488,54 @@
                 <a:cs typeface="Source Code Pro"/>
                 <a:sym typeface="Source Code Pro"/>
               </a:rPr>
-              <a:t>“Hello ” + </a:t>
-            </a:r>
-            <a:r>
-              <a:rPr lang="en" sz="1200" dirty="0">
-                <a:solidFill>
-                  <a:srgbClr val="000000"/>
-                </a:solidFill>
-                <a:highlight>
-                  <a:srgbClr val="FFFFFF"/>
-                </a:highlight>
-                <a:latin typeface="Source Code Pro"/>
-                <a:ea typeface="Source Code Pro"/>
-                <a:cs typeface="Source Code Pro"/>
-                <a:sym typeface="Source Code Pro"/>
-              </a:rPr>
-              <a:t>name</a:t>
-            </a:r>
-            <a:r>
-              <a:rPr lang="en" sz="1200" dirty="0">
+              <a:t>"John"</a:t>
+            </a:r>
+            <a:r>
+              <a:rPr lang="en" sz="1200">
+                <a:solidFill>
+                  <a:srgbClr val="000000"/>
+                </a:solidFill>
+                <a:highlight>
+                  <a:srgbClr val="FFFFFF"/>
+                </a:highlight>
+                <a:latin typeface="Source Code Pro"/>
+                <a:ea typeface="Source Code Pro"/>
+                <a:cs typeface="Source Code Pro"/>
+                <a:sym typeface="Source Code Pro"/>
+              </a:rPr>
+              <a:t>,</a:t>
+            </a:r>
+          </a:p>
+          <a:p>
+            <a:pPr marL="0" lvl="0" indent="0" rtl="0">
+              <a:lnSpc>
+                <a:spcPct val="115000"/>
+              </a:lnSpc>
+              <a:spcBef>
+                <a:spcPts val="0"/>
+              </a:spcBef>
+              <a:spcAft>
+                <a:spcPts val="0"/>
+              </a:spcAft>
+              <a:buNone/>
+            </a:pPr>
+            <a:r>
+              <a:rPr lang="en" sz="1200">
+                <a:solidFill>
+                  <a:srgbClr val="000000"/>
+                </a:solidFill>
+                <a:highlight>
+                  <a:srgbClr val="FFFFFF"/>
+                </a:highlight>
+                <a:latin typeface="Source Code Pro"/>
+                <a:ea typeface="Source Code Pro"/>
+                <a:cs typeface="Source Code Pro"/>
+                <a:sym typeface="Source Code Pro"/>
+              </a:rPr>
+              <a:t>   lastName: </a:t>
+            </a:r>
+            <a:r>
+              <a:rPr lang="en" sz="1200">
                 <a:solidFill>
                   <a:srgbClr val="A52A2A"/>
                 </a:solidFill>
@@ -8534,22 +8547,22 @@
                 <a:cs typeface="Source Code Pro"/>
                 <a:sym typeface="Source Code Pro"/>
               </a:rPr>
-              <a:t> + “. ”</a:t>
-            </a:r>
-            <a:r>
-              <a:rPr lang="en" sz="1200" dirty="0">
-                <a:solidFill>
-                  <a:srgbClr val="000000"/>
-                </a:solidFill>
-                <a:highlight>
-                  <a:srgbClr val="FFFFFF"/>
-                </a:highlight>
-                <a:latin typeface="Source Code Pro"/>
-                <a:ea typeface="Source Code Pro"/>
-                <a:cs typeface="Source Code Pro"/>
-                <a:sym typeface="Source Code Pro"/>
-              </a:rPr>
-              <a:t>;</a:t>
+              <a:t>"Doe"</a:t>
+            </a:r>
+            <a:r>
+              <a:rPr lang="en" sz="1200">
+                <a:solidFill>
+                  <a:srgbClr val="000000"/>
+                </a:solidFill>
+                <a:highlight>
+                  <a:srgbClr val="FFFFFF"/>
+                </a:highlight>
+                <a:latin typeface="Source Code Pro"/>
+                <a:ea typeface="Source Code Pro"/>
+                <a:cs typeface="Source Code Pro"/>
+                <a:sym typeface="Source Code Pro"/>
+              </a:rPr>
+              <a:t>,</a:t>
             </a:r>
           </a:p>
           <a:p>
@@ -8566,52 +8579,81 @@
               <a:buNone/>
             </a:pPr>
             <a:r>
-              <a:rPr lang="en" sz="1200" dirty="0">
-                <a:solidFill>
-                  <a:srgbClr val="000000"/>
-                </a:solidFill>
-                <a:highlight>
-                  <a:srgbClr val="FFFFFF"/>
-                </a:highlight>
-                <a:latin typeface="Source Code Pro"/>
-                <a:ea typeface="Source Code Pro"/>
-                <a:cs typeface="Source Code Pro"/>
-                <a:sym typeface="Source Code Pro"/>
-              </a:rPr>
-              <a:t>  </a:t>
-            </a:r>
-            <a:r>
-              <a:rPr lang="en" sz="1200" dirty="0">
-                <a:solidFill>
-                  <a:srgbClr val="0000CD"/>
-                </a:solidFill>
-                <a:highlight>
-                  <a:srgbClr val="FFFFFF"/>
-                </a:highlight>
-                <a:latin typeface="Source Code Pro"/>
-                <a:ea typeface="Source Code Pro"/>
-                <a:cs typeface="Source Code Pro"/>
-                <a:sym typeface="Source Code Pro"/>
-              </a:rPr>
-              <a:t>var</a:t>
-            </a:r>
-            <a:r>
-              <a:rPr lang="en" sz="1200" dirty="0">
-                <a:solidFill>
-                  <a:srgbClr val="000000"/>
-                </a:solidFill>
-                <a:highlight>
-                  <a:srgbClr val="FFFFFF"/>
-                </a:highlight>
-                <a:latin typeface="Source Code Pro"/>
-                <a:ea typeface="Source Code Pro"/>
-                <a:cs typeface="Source Code Pro"/>
-                <a:sym typeface="Source Code Pro"/>
-              </a:rPr>
-              <a:t> question = </a:t>
-            </a:r>
-            <a:r>
-              <a:rPr lang="en" sz="1200" dirty="0">
+              <a:rPr lang="en" sz="1200">
+                <a:solidFill>
+                  <a:srgbClr val="000000"/>
+                </a:solidFill>
+                <a:highlight>
+                  <a:srgbClr val="FFFFFF"/>
+                </a:highlight>
+                <a:latin typeface="Source Code Pro"/>
+                <a:ea typeface="Source Code Pro"/>
+                <a:cs typeface="Source Code Pro"/>
+                <a:sym typeface="Source Code Pro"/>
+              </a:rPr>
+              <a:t>   age: </a:t>
+            </a:r>
+            <a:r>
+              <a:rPr lang="en" sz="1200">
+                <a:solidFill>
+                  <a:srgbClr val="FF0000"/>
+                </a:solidFill>
+                <a:highlight>
+                  <a:srgbClr val="FFFFFF"/>
+                </a:highlight>
+                <a:latin typeface="Source Code Pro"/>
+                <a:ea typeface="Source Code Pro"/>
+                <a:cs typeface="Source Code Pro"/>
+                <a:sym typeface="Source Code Pro"/>
+              </a:rPr>
+              <a:t>50</a:t>
+            </a:r>
+            <a:r>
+              <a:rPr lang="en" sz="1200">
+                <a:solidFill>
+                  <a:srgbClr val="000000"/>
+                </a:solidFill>
+                <a:highlight>
+                  <a:srgbClr val="FFFFFF"/>
+                </a:highlight>
+                <a:latin typeface="Source Code Pro"/>
+                <a:ea typeface="Source Code Pro"/>
+                <a:cs typeface="Source Code Pro"/>
+                <a:sym typeface="Source Code Pro"/>
+              </a:rPr>
+              <a:t>,</a:t>
+            </a:r>
+          </a:p>
+          <a:p>
+            <a:pPr lvl="0" rtl="0">
+              <a:lnSpc>
+                <a:spcPct val="115000"/>
+              </a:lnSpc>
+              <a:spcBef>
+                <a:spcPts val="0"/>
+              </a:spcBef>
+              <a:spcAft>
+                <a:spcPts val="0"/>
+              </a:spcAft>
+              <a:buNone/>
+            </a:pPr>
+            <a:r>
+              <a:rPr lang="en" sz="1200">
+                <a:solidFill>
+                  <a:srgbClr val="000000"/>
+                </a:solidFill>
+                <a:highlight>
+                  <a:srgbClr val="FFFFFF"/>
+                </a:highlight>
+                <a:latin typeface="Source Code Pro"/>
+                <a:ea typeface="Source Code Pro"/>
+                <a:cs typeface="Source Code Pro"/>
+                <a:sym typeface="Source Code Pro"/>
+              </a:rPr>
+              <a:t>   eyeColor: </a:t>
+            </a:r>
+            <a:r>
+              <a:rPr lang="en" sz="1200">
                 <a:solidFill>
                   <a:srgbClr val="A52A2A"/>
                 </a:solidFill>
@@ -8623,22 +8665,7 @@
                 <a:cs typeface="Source Code Pro"/>
                 <a:sym typeface="Source Code Pro"/>
               </a:rPr>
-              <a:t>“How are you?”</a:t>
-            </a:r>
-            <a:r>
-              <a:rPr lang="en" sz="1200" dirty="0">
-                <a:solidFill>
-                  <a:srgbClr val="000000"/>
-                </a:solidFill>
-                <a:highlight>
-                  <a:srgbClr val="FFFFFF"/>
-                </a:highlight>
-                <a:latin typeface="Source Code Pro"/>
-                <a:ea typeface="Source Code Pro"/>
-                <a:cs typeface="Source Code Pro"/>
-                <a:sym typeface="Source Code Pro"/>
-              </a:rPr>
-              <a:t>;</a:t>
+              <a:t>"blue"</a:t>
             </a:r>
           </a:p>
           <a:p>
@@ -8655,133 +8682,35 @@
               <a:buNone/>
             </a:pPr>
             <a:r>
-              <a:rPr lang="en" sz="1200" dirty="0">
-                <a:solidFill>
-                  <a:srgbClr val="000000"/>
-                </a:solidFill>
-                <a:highlight>
-                  <a:srgbClr val="FFFFFF"/>
-                </a:highlight>
-                <a:latin typeface="Source Code Pro"/>
-                <a:ea typeface="Source Code Pro"/>
-                <a:cs typeface="Source Code Pro"/>
-                <a:sym typeface="Source Code Pro"/>
-              </a:rPr>
-              <a:t>  </a:t>
-            </a:r>
-            <a:r>
-              <a:rPr lang="en" sz="1200" dirty="0">
-                <a:solidFill>
-                  <a:srgbClr val="0000CD"/>
-                </a:solidFill>
-                <a:highlight>
-                  <a:srgbClr val="FFFFFF"/>
-                </a:highlight>
-                <a:latin typeface="Source Code Pro"/>
-                <a:ea typeface="Source Code Pro"/>
-                <a:cs typeface="Source Code Pro"/>
-                <a:sym typeface="Source Code Pro"/>
-              </a:rPr>
-              <a:t>var</a:t>
-            </a:r>
-            <a:r>
-              <a:rPr lang="en" sz="1200" dirty="0">
-                <a:solidFill>
-                  <a:srgbClr val="000000"/>
-                </a:solidFill>
-                <a:highlight>
-                  <a:srgbClr val="FFFFFF"/>
-                </a:highlight>
-                <a:latin typeface="Source Code Pro"/>
-                <a:ea typeface="Source Code Pro"/>
-                <a:cs typeface="Source Code Pro"/>
-                <a:sym typeface="Source Code Pro"/>
-              </a:rPr>
-              <a:t> line = greeting + question;    </a:t>
-            </a:r>
-          </a:p>
-          <a:p>
-            <a:pPr>
-              <a:spcAft>
-                <a:spcPts val="0"/>
-              </a:spcAft>
-            </a:pPr>
-            <a:r>
-              <a:rPr lang="en" sz="1200" dirty="0">
-                <a:solidFill>
-                  <a:srgbClr val="000000"/>
-                </a:solidFill>
-                <a:highlight>
-                  <a:srgbClr val="FFFFFF"/>
-                </a:highlight>
-                <a:latin typeface="Source Code Pro"/>
-                <a:ea typeface="Source Code Pro"/>
-                <a:cs typeface="Source Code Pro"/>
-                <a:sym typeface="Source Code Pro"/>
-              </a:rPr>
-              <a:t>  console.log(line</a:t>
-            </a:r>
-            <a:r>
-              <a:rPr lang="en" sz="1200" dirty="0" smtClean="0">
-                <a:solidFill>
-                  <a:srgbClr val="000000"/>
-                </a:solidFill>
-                <a:highlight>
-                  <a:srgbClr val="FFFFFF"/>
-                </a:highlight>
-                <a:latin typeface="Source Code Pro"/>
-                <a:ea typeface="Source Code Pro"/>
-                <a:cs typeface="Source Code Pro"/>
-                <a:sym typeface="Source Code Pro"/>
-              </a:rPr>
-              <a:t>);</a:t>
-            </a:r>
-            <a:r>
-              <a:rPr lang="en-US" sz="1200" dirty="0" smtClean="0">
-                <a:solidFill>
-                  <a:srgbClr val="000000"/>
-                </a:solidFill>
-                <a:highlight>
-                  <a:srgbClr val="FFFFFF"/>
-                </a:highlight>
-                <a:latin typeface="Source Code Pro"/>
-                <a:ea typeface="Source Code Pro"/>
-                <a:cs typeface="Source Code Pro"/>
-                <a:sym typeface="Source Code Pro"/>
-              </a:rPr>
-              <a:t> </a:t>
-            </a:r>
-            <a:r>
-              <a:rPr lang="en" sz="1200" dirty="0">
-                <a:solidFill>
-                  <a:srgbClr val="999999"/>
-                </a:solidFill>
-                <a:highlight>
-                  <a:srgbClr val="FFFFFF"/>
-                </a:highlight>
-                <a:latin typeface="Source Code Pro"/>
-                <a:ea typeface="Source Code Pro"/>
-                <a:cs typeface="Source Code Pro"/>
-                <a:sym typeface="Source Code Pro"/>
-              </a:rPr>
-              <a:t>// will print out “Hello Crystal. How are you</a:t>
-            </a:r>
-            <a:r>
-              <a:rPr lang="en" sz="1200" dirty="0" smtClean="0">
-                <a:solidFill>
-                  <a:srgbClr val="999999"/>
-                </a:solidFill>
-                <a:highlight>
-                  <a:srgbClr val="FFFFFF"/>
-                </a:highlight>
-                <a:latin typeface="Source Code Pro"/>
-                <a:ea typeface="Source Code Pro"/>
-                <a:cs typeface="Source Code Pro"/>
-                <a:sym typeface="Source Code Pro"/>
-              </a:rPr>
-              <a:t>?”</a:t>
-            </a:r>
-            <a:endParaRPr lang="en" sz="1200" dirty="0">
+              <a:rPr lang="en" sz="1200">
+                <a:solidFill>
+                  <a:srgbClr val="000000"/>
+                </a:solidFill>
+                <a:highlight>
+                  <a:srgbClr val="FFFFFF"/>
+                </a:highlight>
+                <a:latin typeface="Source Code Pro"/>
+                <a:ea typeface="Source Code Pro"/>
+                <a:cs typeface="Source Code Pro"/>
+                <a:sym typeface="Source Code Pro"/>
+              </a:rPr>
+              <a:t>};</a:t>
+            </a:r>
+          </a:p>
+          <a:p>
+            <a:pPr lvl="0" rtl="0">
+              <a:lnSpc>
+                <a:spcPct val="115000"/>
+              </a:lnSpc>
+              <a:spcBef>
+                <a:spcPts val="0"/>
+              </a:spcBef>
+              <a:spcAft>
+                <a:spcPts val="0"/>
+              </a:spcAft>
+              <a:buNone/>
+            </a:pPr>
+            <a:endParaRPr sz="1200">
               <a:solidFill>
                 <a:srgbClr val="000000"/>
               </a:solidFill>
@@ -8796,6 +8725,29 @@
           </a:p>
           <a:p>
             <a:pPr lvl="0" rtl="0">
+              <a:spcBef>
+                <a:spcPts val="0"/>
+              </a:spcBef>
+              <a:spcAft>
+                <a:spcPts val="0"/>
+              </a:spcAft>
+              <a:buNone/>
+            </a:pPr>
+            <a:r>
+              <a:rPr lang="en" sz="1200">
+                <a:solidFill>
+                  <a:srgbClr val="999999"/>
+                </a:solidFill>
+                <a:latin typeface="Source Code Pro"/>
+                <a:ea typeface="Source Code Pro"/>
+                <a:cs typeface="Source Code Pro"/>
+                <a:sym typeface="Source Code Pro"/>
+              </a:rPr>
+              <a:t>// Two ways to access an existing variable</a:t>
+            </a:r>
+          </a:p>
+          <a:p>
+            <a:pPr lvl="0" rtl="0">
               <a:lnSpc>
                 <a:spcPct val="115000"/>
               </a:lnSpc>
@@ -8808,64 +8760,66 @@
               <a:buNone/>
             </a:pPr>
             <a:r>
-              <a:rPr lang="en" sz="1200" dirty="0">
-                <a:solidFill>
-                  <a:srgbClr val="000000"/>
-                </a:solidFill>
-                <a:highlight>
-                  <a:srgbClr val="FFFFFF"/>
-                </a:highlight>
-                <a:latin typeface="Source Code Pro"/>
-                <a:ea typeface="Source Code Pro"/>
-                <a:cs typeface="Source Code Pro"/>
-                <a:sym typeface="Source Code Pro"/>
-              </a:rPr>
-              <a:t>  return age;</a:t>
+              <a:rPr lang="en" sz="1200">
+                <a:solidFill>
+                  <a:srgbClr val="0000CD"/>
+                </a:solidFill>
+                <a:highlight>
+                  <a:srgbClr val="FFFFFF"/>
+                </a:highlight>
+                <a:latin typeface="Source Code Pro"/>
+                <a:ea typeface="Source Code Pro"/>
+                <a:cs typeface="Source Code Pro"/>
+                <a:sym typeface="Source Code Pro"/>
+              </a:rPr>
+              <a:t>var</a:t>
+            </a:r>
+            <a:r>
+              <a:rPr lang="en" sz="1200">
+                <a:solidFill>
+                  <a:srgbClr val="000000"/>
+                </a:solidFill>
+                <a:highlight>
+                  <a:srgbClr val="FFFFFF"/>
+                </a:highlight>
+                <a:latin typeface="Source Code Pro"/>
+                <a:ea typeface="Source Code Pro"/>
+                <a:cs typeface="Source Code Pro"/>
+                <a:sym typeface="Source Code Pro"/>
+              </a:rPr>
+              <a:t> firstName1 = person.firstName;     </a:t>
+            </a:r>
+            <a:r>
+              <a:rPr lang="en" sz="1200">
+                <a:solidFill>
+                  <a:srgbClr val="999999"/>
+                </a:solidFill>
+                <a:highlight>
+                  <a:srgbClr val="FFFFFF"/>
+                </a:highlight>
+                <a:latin typeface="Source Code Pro"/>
+                <a:ea typeface="Source Code Pro"/>
+                <a:cs typeface="Source Code Pro"/>
+                <a:sym typeface="Source Code Pro"/>
+              </a:rPr>
+              <a:t>//firstName1 = “John”</a:t>
             </a:r>
           </a:p>
           <a:p>
             <a:pPr lvl="0" rtl="0">
-              <a:lnSpc>
-                <a:spcPct val="115000"/>
-              </a:lnSpc>
-              <a:spcBef>
-                <a:spcPts val="0"/>
-              </a:spcBef>
-              <a:spcAft>
-                <a:spcPts val="0"/>
-              </a:spcAft>
-              <a:buNone/>
-            </a:pPr>
-            <a:r>
-              <a:rPr lang="en" sz="1200" dirty="0">
-                <a:solidFill>
-                  <a:srgbClr val="000000"/>
-                </a:solidFill>
-                <a:highlight>
-                  <a:srgbClr val="FFFFFF"/>
-                </a:highlight>
-                <a:latin typeface="Source Code Pro"/>
-                <a:ea typeface="Source Code Pro"/>
-                <a:cs typeface="Source Code Pro"/>
-                <a:sym typeface="Source Code Pro"/>
-              </a:rPr>
-              <a:t>}</a:t>
-            </a:r>
-          </a:p>
-          <a:p>
-            <a:pPr lvl="0">
-              <a:spcAft>
-                <a:spcPts val="0"/>
-              </a:spcAft>
-            </a:pPr>
-            <a:r>
-              <a:rPr lang="en" sz="1200" dirty="0">
+              <a:spcBef>
+                <a:spcPts val="0"/>
+              </a:spcBef>
+              <a:spcAft>
+                <a:spcPts val="0"/>
+              </a:spcAft>
+              <a:buNone/>
+            </a:pPr>
+            <a:r>
+              <a:rPr lang="en" sz="1200">
                 <a:solidFill>
                   <a:srgbClr val="0000CD"/>
                 </a:solidFill>
-                <a:highlight>
-                  <a:srgbClr val="FFFFFF"/>
-                </a:highlight>
                 <a:latin typeface="Source Code Pro"/>
                 <a:ea typeface="Source Code Pro"/>
                 <a:cs typeface="Source Code Pro"/>
@@ -8874,66 +8828,189 @@
               <a:t>var</a:t>
             </a:r>
             <a:r>
-              <a:rPr lang="en" sz="1200" dirty="0">
-                <a:solidFill>
-                  <a:srgbClr val="000000"/>
-                </a:solidFill>
-                <a:highlight>
-                  <a:srgbClr val="FFFFFF"/>
-                </a:highlight>
-                <a:latin typeface="Source Code Pro"/>
-                <a:ea typeface="Source Code Pro"/>
-                <a:cs typeface="Source Code Pro"/>
-                <a:sym typeface="Source Code Pro"/>
-              </a:rPr>
-              <a:t> result = myFunction(“Crystal”, 22); </a:t>
-            </a:r>
-            <a:r>
-              <a:rPr lang="en" sz="1200" dirty="0">
+              <a:rPr lang="en" sz="1200">
+                <a:solidFill>
+                  <a:srgbClr val="000000"/>
+                </a:solidFill>
+                <a:latin typeface="Source Code Pro"/>
+                <a:ea typeface="Source Code Pro"/>
+                <a:cs typeface="Source Code Pro"/>
+                <a:sym typeface="Source Code Pro"/>
+              </a:rPr>
+              <a:t> firstName2 = person[‘firstName’];  </a:t>
+            </a:r>
+            <a:r>
+              <a:rPr lang="en" sz="1200">
                 <a:solidFill>
                   <a:srgbClr val="999999"/>
                 </a:solidFill>
-                <a:highlight>
-                  <a:srgbClr val="FFFFFF"/>
-                </a:highlight>
-                <a:latin typeface="Source Code Pro"/>
-                <a:ea typeface="Source Code Pro"/>
-                <a:cs typeface="Source Code Pro"/>
-                <a:sym typeface="Source Code Pro"/>
-              </a:rPr>
-              <a:t>	</a:t>
-            </a:r>
-            <a:r>
-              <a:rPr lang="en" sz="1200" dirty="0">
+                <a:latin typeface="Source Code Pro"/>
+                <a:ea typeface="Source Code Pro"/>
+                <a:cs typeface="Source Code Pro"/>
+                <a:sym typeface="Source Code Pro"/>
+              </a:rPr>
+              <a:t>//firstName2 = “John”</a:t>
+            </a:r>
+          </a:p>
+          <a:p>
+            <a:pPr lvl="0" rtl="0">
+              <a:spcBef>
+                <a:spcPts val="0"/>
+              </a:spcBef>
+              <a:spcAft>
+                <a:spcPts val="0"/>
+              </a:spcAft>
+              <a:buNone/>
+            </a:pPr>
+            <a:endParaRPr sz="1200">
+              <a:solidFill>
+                <a:srgbClr val="999999"/>
+              </a:solidFill>
+              <a:latin typeface="Source Code Pro"/>
+              <a:ea typeface="Source Code Pro"/>
+              <a:cs typeface="Source Code Pro"/>
+              <a:sym typeface="Source Code Pro"/>
+            </a:endParaRPr>
+          </a:p>
+          <a:p>
+            <a:pPr lvl="0" rtl="0">
+              <a:spcBef>
+                <a:spcPts val="0"/>
+              </a:spcBef>
+              <a:spcAft>
+                <a:spcPts val="0"/>
+              </a:spcAft>
+              <a:buNone/>
+            </a:pPr>
+            <a:r>
+              <a:rPr lang="en" sz="1200">
                 <a:solidFill>
                   <a:srgbClr val="999999"/>
                 </a:solidFill>
-                <a:highlight>
-                  <a:srgbClr val="FFFFFF"/>
-                </a:highlight>
-                <a:latin typeface="Source Code Pro"/>
-                <a:ea typeface="Source Code Pro"/>
-                <a:cs typeface="Source Code Pro"/>
-                <a:sym typeface="Source Code Pro"/>
-              </a:rPr>
-              <a:t> // result = 22</a:t>
-            </a:r>
-            <a:r>
-              <a:rPr lang="en" sz="1200" dirty="0">
+                <a:latin typeface="Source Code Pro"/>
+                <a:ea typeface="Source Code Pro"/>
+                <a:cs typeface="Source Code Pro"/>
+                <a:sym typeface="Source Code Pro"/>
+              </a:rPr>
+              <a:t>// Two ways to create new object variables and assign values</a:t>
+            </a:r>
+          </a:p>
+          <a:p>
+            <a:pPr lvl="0" rtl="0">
+              <a:spcBef>
+                <a:spcPts val="0"/>
+              </a:spcBef>
+              <a:spcAft>
+                <a:spcPts val="0"/>
+              </a:spcAft>
+              <a:buNone/>
+            </a:pPr>
+            <a:r>
+              <a:rPr lang="en" sz="1200">
+                <a:solidFill>
+                  <a:srgbClr val="000000"/>
+                </a:solidFill>
+                <a:latin typeface="Source Code Pro"/>
+                <a:ea typeface="Source Code Pro"/>
+                <a:cs typeface="Source Code Pro"/>
+                <a:sym typeface="Source Code Pro"/>
+              </a:rPr>
+              <a:t>person.height = </a:t>
+            </a:r>
+            <a:r>
+              <a:rPr lang="en" sz="1200">
+                <a:solidFill>
+                  <a:srgbClr val="FF0000"/>
+                </a:solidFill>
+                <a:latin typeface="Source Code Pro"/>
+                <a:ea typeface="Source Code Pro"/>
+                <a:cs typeface="Source Code Pro"/>
+                <a:sym typeface="Source Code Pro"/>
+              </a:rPr>
+              <a:t>170</a:t>
+            </a:r>
+            <a:r>
+              <a:rPr lang="en" sz="1200">
+                <a:solidFill>
+                  <a:srgbClr val="000000"/>
+                </a:solidFill>
+                <a:latin typeface="Source Code Pro"/>
+                <a:ea typeface="Source Code Pro"/>
+                <a:cs typeface="Source Code Pro"/>
+                <a:sym typeface="Source Code Pro"/>
+              </a:rPr>
+              <a:t>;</a:t>
+            </a:r>
+          </a:p>
+          <a:p>
+            <a:pPr lvl="0" rtl="0">
+              <a:spcBef>
+                <a:spcPts val="0"/>
+              </a:spcBef>
+              <a:spcAft>
+                <a:spcPts val="0"/>
+              </a:spcAft>
+              <a:buNone/>
+            </a:pPr>
+            <a:r>
+              <a:rPr lang="en" sz="1200">
+                <a:solidFill>
+                  <a:srgbClr val="000000"/>
+                </a:solidFill>
+                <a:latin typeface="Source Code Pro"/>
+                <a:ea typeface="Source Code Pro"/>
+                <a:cs typeface="Source Code Pro"/>
+                <a:sym typeface="Source Code Pro"/>
+              </a:rPr>
+              <a:t>person[‘height’] = </a:t>
+            </a:r>
+            <a:r>
+              <a:rPr lang="en" sz="1200">
+                <a:solidFill>
+                  <a:srgbClr val="FF0000"/>
+                </a:solidFill>
+                <a:latin typeface="Source Code Pro"/>
+                <a:ea typeface="Source Code Pro"/>
+                <a:cs typeface="Source Code Pro"/>
+                <a:sym typeface="Source Code Pro"/>
+              </a:rPr>
+              <a:t>170</a:t>
+            </a:r>
+            <a:r>
+              <a:rPr lang="en" sz="1200">
+                <a:solidFill>
+                  <a:srgbClr val="000000"/>
+                </a:solidFill>
+                <a:latin typeface="Source Code Pro"/>
+                <a:ea typeface="Source Code Pro"/>
+                <a:cs typeface="Source Code Pro"/>
+                <a:sym typeface="Source Code Pro"/>
+              </a:rPr>
+              <a:t>;</a:t>
+            </a:r>
+          </a:p>
+          <a:p>
+            <a:pPr lvl="0" rtl="0">
+              <a:spcBef>
+                <a:spcPts val="0"/>
+              </a:spcBef>
+              <a:spcAft>
+                <a:spcPts val="0"/>
+              </a:spcAft>
+              <a:buNone/>
+            </a:pPr>
+            <a:r>
+              <a:rPr lang="en" sz="1200">
                 <a:solidFill>
                   <a:srgbClr val="999999"/>
                 </a:solidFill>
-                <a:highlight>
-                  <a:srgbClr val="FFFFFF"/>
-                </a:highlight>
-                <a:latin typeface="Source Code Pro"/>
-                <a:ea typeface="Source Code Pro"/>
-                <a:cs typeface="Source Code Pro"/>
-                <a:sym typeface="Source Code Pro"/>
-              </a:rPr>
-              <a:t>						</a:t>
-            </a:r>
-            <a:endParaRPr dirty="0"/>
+                <a:latin typeface="Source Code Pro"/>
+                <a:ea typeface="Source Code Pro"/>
+                <a:cs typeface="Source Code Pro"/>
+                <a:sym typeface="Source Code Pro"/>
+              </a:rPr>
+              <a:t>// person = {firstName: “John”, lastName: “Doe”, age: 50, eyeColor: “blue”, height: 170}</a:t>
+            </a:r>
           </a:p>
         </p:txBody>
       </p:sp>
@@ -8995,7 +9072,7 @@
             </a:pPr>
             <a:r>
               <a:rPr lang="en"/>
-              <a:t>Functions</a:t>
+              <a:t>Objects: function declaration</a:t>
             </a:r>
           </a:p>
         </p:txBody>
@@ -9025,24 +9102,7 @@
           </a:bodyPr>
           <a:lstStyle/>
           <a:p>
-            <a:pPr marL="457200" lvl="0" indent="-228600" rtl="0">
-              <a:lnSpc>
-                <a:spcPct val="200000"/>
-              </a:lnSpc>
-              <a:spcBef>
-                <a:spcPts val="0"/>
-              </a:spcBef>
-              <a:spcAft>
-                <a:spcPts val="0"/>
-              </a:spcAft>
-            </a:pPr>
-            <a:r>
-              <a:rPr lang="en"/>
-              <a:t>() invokes the function!</a:t>
-            </a:r>
-          </a:p>
-          <a:p>
-            <a:pPr marL="457200" lvl="0" indent="-228600" rtl="0">
+            <a:pPr lvl="0" rtl="0">
               <a:lnSpc>
                 <a:spcPct val="115000"/>
               </a:lnSpc>
@@ -9052,31 +9112,37 @@
               <a:spcAft>
                 <a:spcPts val="0"/>
               </a:spcAft>
-            </a:pPr>
-            <a:r>
-              <a:rPr lang="en"/>
-              <a:t>Functions called without the () will return the function definition</a:t>
-            </a:r>
-          </a:p>
-          <a:p>
-            <a:pPr marL="914400" lvl="1" indent="-228600" rtl="0">
-              <a:lnSpc>
-                <a:spcPct val="100000"/>
-              </a:lnSpc>
-              <a:spcBef>
-                <a:spcPts val="0"/>
-              </a:spcBef>
-              <a:spcAft>
-                <a:spcPts val="0"/>
-              </a:spcAft>
-            </a:pPr>
-            <a:r>
-              <a:rPr lang="en">
-                <a:highlight>
-                  <a:srgbClr val="FFFFFF"/>
-                </a:highlight>
-              </a:rPr>
-              <a:t>Why might this be useful? Later on, we’ll learn about passing functions around as callbacks.</a:t>
+              <a:buNone/>
+            </a:pPr>
+            <a:r>
+              <a:rPr lang="en" sz="1200">
+                <a:solidFill>
+                  <a:srgbClr val="0000CD"/>
+                </a:solidFill>
+                <a:highlight>
+                  <a:srgbClr val="FFFFFF"/>
+                </a:highlight>
+                <a:latin typeface="Source Code Pro"/>
+                <a:ea typeface="Source Code Pro"/>
+                <a:cs typeface="Source Code Pro"/>
+                <a:sym typeface="Source Code Pro"/>
+              </a:rPr>
+              <a:t>function</a:t>
+            </a:r>
+            <a:r>
+              <a:rPr lang="en" sz="1200">
+                <a:solidFill>
+                  <a:srgbClr val="000000"/>
+                </a:solidFill>
+                <a:highlight>
+                  <a:srgbClr val="FFFFFF"/>
+                </a:highlight>
+                <a:latin typeface="Source Code Pro"/>
+                <a:ea typeface="Source Code Pro"/>
+                <a:cs typeface="Source Code Pro"/>
+                <a:sym typeface="Source Code Pro"/>
+              </a:rPr>
+              <a:t> person(firstName, lastName, age, eyeColor) {</a:t>
             </a:r>
           </a:p>
           <a:p>
@@ -9092,10 +9158,54 @@
               </a:spcAft>
               <a:buNone/>
             </a:pPr>
-            <a:endParaRPr/>
-          </a:p>
-          <a:p>
-            <a:pPr marL="457200" lvl="0" indent="0" rtl="0">
+            <a:r>
+              <a:rPr lang="en" sz="1200">
+                <a:solidFill>
+                  <a:srgbClr val="000000"/>
+                </a:solidFill>
+                <a:highlight>
+                  <a:srgbClr val="FFFFFF"/>
+                </a:highlight>
+                <a:latin typeface="Source Code Pro"/>
+                <a:ea typeface="Source Code Pro"/>
+                <a:cs typeface="Source Code Pro"/>
+                <a:sym typeface="Source Code Pro"/>
+              </a:rPr>
+              <a:t>	</a:t>
+            </a:r>
+            <a:r>
+              <a:rPr lang="en" sz="1200">
+                <a:solidFill>
+                  <a:srgbClr val="0000CD"/>
+                </a:solidFill>
+                <a:highlight>
+                  <a:srgbClr val="FFFFFF"/>
+                </a:highlight>
+                <a:latin typeface="Source Code Pro"/>
+                <a:ea typeface="Source Code Pro"/>
+                <a:cs typeface="Source Code Pro"/>
+                <a:sym typeface="Source Code Pro"/>
+              </a:rPr>
+              <a:t>this</a:t>
+            </a:r>
+            <a:r>
+              <a:rPr lang="en" sz="1200">
+                <a:solidFill>
+                  <a:srgbClr val="000000"/>
+                </a:solidFill>
+                <a:highlight>
+                  <a:srgbClr val="FFFFFF"/>
+                </a:highlight>
+                <a:latin typeface="Source Code Pro"/>
+                <a:ea typeface="Source Code Pro"/>
+                <a:cs typeface="Source Code Pro"/>
+                <a:sym typeface="Source Code Pro"/>
+              </a:rPr>
+              <a:t>.firstName = firstName; </a:t>
+            </a:r>
+          </a:p>
+          <a:p>
+            <a:pPr lvl="0" rtl="0">
               <a:lnSpc>
                 <a:spcPct val="115000"/>
               </a:lnSpc>
@@ -9110,6 +9220,21 @@
             <a:r>
               <a:rPr lang="en" sz="1200">
                 <a:solidFill>
+                  <a:srgbClr val="000000"/>
+                </a:solidFill>
+                <a:highlight>
+                  <a:srgbClr val="FFFFFF"/>
+                </a:highlight>
+                <a:latin typeface="Source Code Pro"/>
+                <a:ea typeface="Source Code Pro"/>
+                <a:cs typeface="Source Code Pro"/>
+                <a:sym typeface="Source Code Pro"/>
+              </a:rPr>
+              <a:t>	</a:t>
+            </a:r>
+            <a:r>
+              <a:rPr lang="en" sz="1200">
+                <a:solidFill>
                   <a:srgbClr val="0000CD"/>
                 </a:solidFill>
                 <a:highlight>
@@ -9120,6 +9245,213 @@
                 <a:cs typeface="Source Code Pro"/>
                 <a:sym typeface="Source Code Pro"/>
               </a:rPr>
+              <a:t>this</a:t>
+            </a:r>
+            <a:r>
+              <a:rPr lang="en" sz="1200">
+                <a:solidFill>
+                  <a:srgbClr val="000000"/>
+                </a:solidFill>
+                <a:highlight>
+                  <a:srgbClr val="FFFFFF"/>
+                </a:highlight>
+                <a:latin typeface="Source Code Pro"/>
+                <a:ea typeface="Source Code Pro"/>
+                <a:cs typeface="Source Code Pro"/>
+                <a:sym typeface="Source Code Pro"/>
+              </a:rPr>
+              <a:t>.lastName = lastName;</a:t>
+            </a:r>
+          </a:p>
+          <a:p>
+            <a:pPr lvl="0" rtl="0">
+              <a:lnSpc>
+                <a:spcPct val="115000"/>
+              </a:lnSpc>
+              <a:spcBef>
+                <a:spcPts val="0"/>
+              </a:spcBef>
+              <a:spcAft>
+                <a:spcPts val="0"/>
+              </a:spcAft>
+              <a:buNone/>
+            </a:pPr>
+            <a:r>
+              <a:rPr lang="en" sz="1200">
+                <a:solidFill>
+                  <a:srgbClr val="000000"/>
+                </a:solidFill>
+                <a:highlight>
+                  <a:srgbClr val="FFFFFF"/>
+                </a:highlight>
+                <a:latin typeface="Source Code Pro"/>
+                <a:ea typeface="Source Code Pro"/>
+                <a:cs typeface="Source Code Pro"/>
+                <a:sym typeface="Source Code Pro"/>
+              </a:rPr>
+              <a:t>	</a:t>
+            </a:r>
+            <a:r>
+              <a:rPr lang="en" sz="1200">
+                <a:solidFill>
+                  <a:srgbClr val="0000CD"/>
+                </a:solidFill>
+                <a:highlight>
+                  <a:srgbClr val="FFFFFF"/>
+                </a:highlight>
+                <a:latin typeface="Source Code Pro"/>
+                <a:ea typeface="Source Code Pro"/>
+                <a:cs typeface="Source Code Pro"/>
+                <a:sym typeface="Source Code Pro"/>
+              </a:rPr>
+              <a:t>this</a:t>
+            </a:r>
+            <a:r>
+              <a:rPr lang="en" sz="1200">
+                <a:solidFill>
+                  <a:srgbClr val="000000"/>
+                </a:solidFill>
+                <a:highlight>
+                  <a:srgbClr val="FFFFFF"/>
+                </a:highlight>
+                <a:latin typeface="Source Code Pro"/>
+                <a:ea typeface="Source Code Pro"/>
+                <a:cs typeface="Source Code Pro"/>
+                <a:sym typeface="Source Code Pro"/>
+              </a:rPr>
+              <a:t>.age = age;</a:t>
+            </a:r>
+          </a:p>
+          <a:p>
+            <a:pPr lvl="0" rtl="0">
+              <a:lnSpc>
+                <a:spcPct val="115000"/>
+              </a:lnSpc>
+              <a:spcBef>
+                <a:spcPts val="0"/>
+              </a:spcBef>
+              <a:spcAft>
+                <a:spcPts val="0"/>
+              </a:spcAft>
+              <a:buNone/>
+            </a:pPr>
+            <a:r>
+              <a:rPr lang="en" sz="1200">
+                <a:solidFill>
+                  <a:srgbClr val="000000"/>
+                </a:solidFill>
+                <a:highlight>
+                  <a:srgbClr val="FFFFFF"/>
+                </a:highlight>
+                <a:latin typeface="Source Code Pro"/>
+                <a:ea typeface="Source Code Pro"/>
+                <a:cs typeface="Source Code Pro"/>
+                <a:sym typeface="Source Code Pro"/>
+              </a:rPr>
+              <a:t>	</a:t>
+            </a:r>
+            <a:r>
+              <a:rPr lang="en" sz="1200">
+                <a:solidFill>
+                  <a:srgbClr val="0000CD"/>
+                </a:solidFill>
+                <a:highlight>
+                  <a:srgbClr val="FFFFFF"/>
+                </a:highlight>
+                <a:latin typeface="Source Code Pro"/>
+                <a:ea typeface="Source Code Pro"/>
+                <a:cs typeface="Source Code Pro"/>
+                <a:sym typeface="Source Code Pro"/>
+              </a:rPr>
+              <a:t>this</a:t>
+            </a:r>
+            <a:r>
+              <a:rPr lang="en" sz="1200">
+                <a:solidFill>
+                  <a:srgbClr val="000000"/>
+                </a:solidFill>
+                <a:highlight>
+                  <a:srgbClr val="FFFFFF"/>
+                </a:highlight>
+                <a:latin typeface="Source Code Pro"/>
+                <a:ea typeface="Source Code Pro"/>
+                <a:cs typeface="Source Code Pro"/>
+                <a:sym typeface="Source Code Pro"/>
+              </a:rPr>
+              <a:t>.eyeColor = eyeColor;</a:t>
+            </a:r>
+          </a:p>
+          <a:p>
+            <a:pPr lvl="0" rtl="0">
+              <a:lnSpc>
+                <a:spcPct val="115000"/>
+              </a:lnSpc>
+              <a:spcBef>
+                <a:spcPts val="0"/>
+              </a:spcBef>
+              <a:spcAft>
+                <a:spcPts val="0"/>
+              </a:spcAft>
+              <a:buNone/>
+            </a:pPr>
+            <a:r>
+              <a:rPr lang="en" sz="1200">
+                <a:solidFill>
+                  <a:srgbClr val="000000"/>
+                </a:solidFill>
+                <a:highlight>
+                  <a:srgbClr val="FFFFFF"/>
+                </a:highlight>
+                <a:latin typeface="Source Code Pro"/>
+                <a:ea typeface="Source Code Pro"/>
+                <a:cs typeface="Source Code Pro"/>
+                <a:sym typeface="Source Code Pro"/>
+              </a:rPr>
+              <a:t>	</a:t>
+            </a:r>
+            <a:r>
+              <a:rPr lang="en" sz="1200">
+                <a:solidFill>
+                  <a:srgbClr val="0000CD"/>
+                </a:solidFill>
+                <a:highlight>
+                  <a:srgbClr val="FFFFFF"/>
+                </a:highlight>
+                <a:latin typeface="Source Code Pro"/>
+                <a:ea typeface="Source Code Pro"/>
+                <a:cs typeface="Source Code Pro"/>
+                <a:sym typeface="Source Code Pro"/>
+              </a:rPr>
+              <a:t>this</a:t>
+            </a:r>
+            <a:r>
+              <a:rPr lang="en" sz="1200">
+                <a:solidFill>
+                  <a:srgbClr val="000000"/>
+                </a:solidFill>
+                <a:highlight>
+                  <a:srgbClr val="FFFFFF"/>
+                </a:highlight>
+                <a:latin typeface="Source Code Pro"/>
+                <a:ea typeface="Source Code Pro"/>
+                <a:cs typeface="Source Code Pro"/>
+                <a:sym typeface="Source Code Pro"/>
+              </a:rPr>
+              <a:t>.changeName = </a:t>
+            </a:r>
+            <a:r>
+              <a:rPr lang="en" sz="1200">
+                <a:solidFill>
+                  <a:srgbClr val="0000CD"/>
+                </a:solidFill>
+                <a:highlight>
+                  <a:srgbClr val="FFFFFF"/>
+                </a:highlight>
+                <a:latin typeface="Source Code Pro"/>
+                <a:ea typeface="Source Code Pro"/>
+                <a:cs typeface="Source Code Pro"/>
+                <a:sym typeface="Source Code Pro"/>
+              </a:rPr>
               <a:t>function</a:t>
             </a:r>
             <a:r>
@@ -9135,11 +9467,11 @@
                 <a:cs typeface="Source Code Pro"/>
                 <a:sym typeface="Source Code Pro"/>
               </a:rPr>
-              <a:t> toCelsius(fahrenheit) {</a:t>
-            </a:r>
-          </a:p>
-          <a:p>
-            <a:pPr marL="457200" lvl="0" indent="0" rtl="0">
+              <a:t> (name) {</a:t>
+            </a:r>
+          </a:p>
+          <a:p>
+            <a:pPr lvl="0" rtl="0">
               <a:lnSpc>
                 <a:spcPct val="115000"/>
               </a:lnSpc>
@@ -9164,7 +9496,7 @@
                 <a:cs typeface="Source Code Pro"/>
                 <a:sym typeface="Source Code Pro"/>
               </a:rPr>
-              <a:t>	</a:t>
+              <a:t>    		</a:t>
             </a:r>
             <a:r>
               <a:rPr lang="en" sz="1200">
@@ -9179,22 +9511,51 @@
                 <a:cs typeface="Source Code Pro"/>
                 <a:sym typeface="Source Code Pro"/>
               </a:rPr>
-              <a:t>return</a:t>
-            </a:r>
-            <a:r>
-              <a:rPr lang="en" sz="1200">
-                <a:solidFill>
-                  <a:srgbClr val="000000"/>
-                </a:solidFill>
-                <a:highlight>
-                  <a:srgbClr val="FFFFFF"/>
-                </a:highlight>
-                <a:latin typeface="Source Code Pro"/>
-                <a:ea typeface="Source Code Pro"/>
-                <a:cs typeface="Source Code Pro"/>
-                <a:sym typeface="Source Code Pro"/>
-              </a:rPr>
-              <a:t> (</a:t>
+              <a:t>this</a:t>
+            </a:r>
+            <a:r>
+              <a:rPr lang="en" sz="1200">
+                <a:solidFill>
+                  <a:srgbClr val="000000"/>
+                </a:solidFill>
+                <a:highlight>
+                  <a:srgbClr val="FFFFFF"/>
+                </a:highlight>
+                <a:latin typeface="Source Code Pro"/>
+                <a:ea typeface="Source Code Pro"/>
+                <a:cs typeface="Source Code Pro"/>
+                <a:sym typeface="Source Code Pro"/>
+              </a:rPr>
+              <a:t>.lastName = name;</a:t>
+            </a:r>
+          </a:p>
+          <a:p>
+            <a:pPr lvl="0" rtl="0">
+              <a:lnSpc>
+                <a:spcPct val="115000"/>
+              </a:lnSpc>
+              <a:spcBef>
+                <a:spcPts val="0"/>
+              </a:spcBef>
+              <a:spcAft>
+                <a:spcPts val="0"/>
+              </a:spcAft>
+              <a:buNone/>
+            </a:pPr>
+            <a:r>
+              <a:rPr lang="en" sz="1200">
+                <a:solidFill>
+                  <a:srgbClr val="000000"/>
+                </a:solidFill>
+                <a:highlight>
+                  <a:srgbClr val="FFFFFF"/>
+                </a:highlight>
+                <a:latin typeface="Source Code Pro"/>
+                <a:ea typeface="Source Code Pro"/>
+                <a:cs typeface="Source Code Pro"/>
+                <a:sym typeface="Source Code Pro"/>
+              </a:rPr>
+              <a:t>   </a:t>
             </a:r>
             <a:r>
               <a:rPr lang="en" sz="1200">
@@ -9209,67 +9570,169 @@
                 <a:cs typeface="Source Code Pro"/>
                 <a:sym typeface="Source Code Pro"/>
               </a:rPr>
-              <a:t>5</a:t>
-            </a:r>
-            <a:r>
-              <a:rPr lang="en" sz="1200">
-                <a:solidFill>
-                  <a:srgbClr val="000000"/>
-                </a:solidFill>
-                <a:highlight>
-                  <a:srgbClr val="FFFFFF"/>
-                </a:highlight>
-                <a:latin typeface="Source Code Pro"/>
-                <a:ea typeface="Source Code Pro"/>
-                <a:cs typeface="Source Code Pro"/>
-                <a:sym typeface="Source Code Pro"/>
-              </a:rPr>
-              <a:t>/</a:t>
-            </a:r>
-            <a:r>
-              <a:rPr lang="en" sz="1200">
-                <a:solidFill>
-                  <a:srgbClr val="FF0000"/>
-                </a:solidFill>
-                <a:highlight>
-                  <a:srgbClr val="FFFFFF"/>
-                </a:highlight>
-                <a:latin typeface="Source Code Pro"/>
-                <a:ea typeface="Source Code Pro"/>
-                <a:cs typeface="Source Code Pro"/>
-                <a:sym typeface="Source Code Pro"/>
-              </a:rPr>
-              <a:t>9</a:t>
-            </a:r>
-            <a:r>
-              <a:rPr lang="en" sz="1200">
-                <a:solidFill>
-                  <a:srgbClr val="000000"/>
-                </a:solidFill>
-                <a:highlight>
-                  <a:srgbClr val="FFFFFF"/>
-                </a:highlight>
-                <a:latin typeface="Source Code Pro"/>
-                <a:ea typeface="Source Code Pro"/>
-                <a:cs typeface="Source Code Pro"/>
-                <a:sym typeface="Source Code Pro"/>
-              </a:rPr>
-              <a:t>) * (fahrenheit-</a:t>
-            </a:r>
-            <a:r>
-              <a:rPr lang="en" sz="1200">
-                <a:solidFill>
-                  <a:srgbClr val="FF0000"/>
-                </a:solidFill>
-                <a:highlight>
-                  <a:srgbClr val="FFFFFF"/>
-                </a:highlight>
-                <a:latin typeface="Source Code Pro"/>
-                <a:ea typeface="Source Code Pro"/>
-                <a:cs typeface="Source Code Pro"/>
-                <a:sym typeface="Source Code Pro"/>
-              </a:rPr>
-              <a:t>32</a:t>
+              <a:t> </a:t>
+            </a:r>
+            <a:r>
+              <a:rPr lang="en" sz="1200">
+                <a:solidFill>
+                  <a:srgbClr val="000000"/>
+                </a:solidFill>
+                <a:highlight>
+                  <a:srgbClr val="FFFFFF"/>
+                </a:highlight>
+                <a:latin typeface="Source Code Pro"/>
+                <a:ea typeface="Source Code Pro"/>
+                <a:cs typeface="Source Code Pro"/>
+                <a:sym typeface="Source Code Pro"/>
+              </a:rPr>
+              <a:t>};</a:t>
+            </a:r>
+          </a:p>
+          <a:p>
+            <a:pPr lvl="0" rtl="0">
+              <a:lnSpc>
+                <a:spcPct val="115000"/>
+              </a:lnSpc>
+              <a:spcBef>
+                <a:spcPts val="0"/>
+              </a:spcBef>
+              <a:spcAft>
+                <a:spcPts val="0"/>
+              </a:spcAft>
+              <a:buNone/>
+            </a:pPr>
+            <a:r>
+              <a:rPr lang="en" sz="1200">
+                <a:solidFill>
+                  <a:srgbClr val="000000"/>
+                </a:solidFill>
+                <a:highlight>
+                  <a:srgbClr val="FFFFFF"/>
+                </a:highlight>
+                <a:latin typeface="Source Code Pro"/>
+                <a:ea typeface="Source Code Pro"/>
+                <a:cs typeface="Source Code Pro"/>
+                <a:sym typeface="Source Code Pro"/>
+              </a:rPr>
+              <a:t>}</a:t>
+            </a:r>
+          </a:p>
+          <a:p>
+            <a:pPr lvl="0" rtl="0">
+              <a:lnSpc>
+                <a:spcPct val="115000"/>
+              </a:lnSpc>
+              <a:spcBef>
+                <a:spcPts val="0"/>
+              </a:spcBef>
+              <a:spcAft>
+                <a:spcPts val="0"/>
+              </a:spcAft>
+              <a:buNone/>
+            </a:pPr>
+            <a:r>
+              <a:rPr lang="en" sz="1200">
+                <a:solidFill>
+                  <a:srgbClr val="0000CD"/>
+                </a:solidFill>
+                <a:highlight>
+                  <a:srgbClr val="FFFFFF"/>
+                </a:highlight>
+                <a:latin typeface="Source Code Pro"/>
+                <a:ea typeface="Source Code Pro"/>
+                <a:cs typeface="Source Code Pro"/>
+                <a:sym typeface="Source Code Pro"/>
+              </a:rPr>
+              <a:t>var</a:t>
+            </a:r>
+            <a:r>
+              <a:rPr lang="en" sz="1200">
+                <a:solidFill>
+                  <a:srgbClr val="000000"/>
+                </a:solidFill>
+                <a:highlight>
+                  <a:srgbClr val="FFFFFF"/>
+                </a:highlight>
+                <a:latin typeface="Source Code Pro"/>
+                <a:ea typeface="Source Code Pro"/>
+                <a:cs typeface="Source Code Pro"/>
+                <a:sym typeface="Source Code Pro"/>
+              </a:rPr>
+              <a:t> myMother = </a:t>
+            </a:r>
+            <a:r>
+              <a:rPr lang="en" sz="1200">
+                <a:solidFill>
+                  <a:srgbClr val="0000CD"/>
+                </a:solidFill>
+                <a:highlight>
+                  <a:srgbClr val="FFFFFF"/>
+                </a:highlight>
+                <a:latin typeface="Source Code Pro"/>
+                <a:ea typeface="Source Code Pro"/>
+                <a:cs typeface="Source Code Pro"/>
+                <a:sym typeface="Source Code Pro"/>
+              </a:rPr>
+              <a:t>new</a:t>
+            </a:r>
+            <a:r>
+              <a:rPr lang="en" sz="1200">
+                <a:solidFill>
+                  <a:srgbClr val="000000"/>
+                </a:solidFill>
+                <a:highlight>
+                  <a:srgbClr val="FFFFFF"/>
+                </a:highlight>
+                <a:latin typeface="Source Code Pro"/>
+                <a:ea typeface="Source Code Pro"/>
+                <a:cs typeface="Source Code Pro"/>
+                <a:sym typeface="Source Code Pro"/>
+              </a:rPr>
+              <a:t> person(“Mommy”, “Dearest”, 45, “brown”);</a:t>
+            </a:r>
+          </a:p>
+          <a:p>
+            <a:pPr lvl="0" rtl="0">
+              <a:lnSpc>
+                <a:spcPct val="115000"/>
+              </a:lnSpc>
+              <a:spcBef>
+                <a:spcPts val="0"/>
+              </a:spcBef>
+              <a:spcAft>
+                <a:spcPts val="0"/>
+              </a:spcAft>
+              <a:buNone/>
+            </a:pPr>
+            <a:r>
+              <a:rPr lang="en" sz="1200">
+                <a:solidFill>
+                  <a:srgbClr val="000000"/>
+                </a:solidFill>
+                <a:highlight>
+                  <a:srgbClr val="FFFFFF"/>
+                </a:highlight>
+                <a:latin typeface="Source Code Pro"/>
+                <a:ea typeface="Source Code Pro"/>
+                <a:cs typeface="Source Code Pro"/>
+                <a:sym typeface="Source Code Pro"/>
+              </a:rPr>
+              <a:t>myMother.changeName(</a:t>
+            </a:r>
+            <a:r>
+              <a:rPr lang="en" sz="1200">
+                <a:solidFill>
+                  <a:srgbClr val="A52A2A"/>
+                </a:solidFill>
+                <a:highlight>
+                  <a:srgbClr val="FFFFFF"/>
+                </a:highlight>
+                <a:latin typeface="Source Code Pro"/>
+                <a:ea typeface="Source Code Pro"/>
+                <a:cs typeface="Source Code Pro"/>
+                <a:sym typeface="Source Code Pro"/>
+              </a:rPr>
+              <a:t>"Doe"</a:t>
             </a:r>
             <a:r>
               <a:rPr lang="en" sz="1200">
@@ -9288,163 +9751,17 @@
             </a:r>
           </a:p>
           <a:p>
-            <a:pPr marL="457200" lvl="0" indent="0" rtl="0">
-              <a:lnSpc>
-                <a:spcPct val="115000"/>
-              </a:lnSpc>
-              <a:spcBef>
-                <a:spcPts val="0"/>
-              </a:spcBef>
-              <a:spcAft>
-                <a:spcPts val="0"/>
-              </a:spcAft>
-              <a:buNone/>
-            </a:pPr>
-            <a:r>
-              <a:rPr lang="en" sz="1200">
-                <a:solidFill>
-                  <a:srgbClr val="000000"/>
-                </a:solidFill>
-                <a:highlight>
-                  <a:srgbClr val="FFFFFF"/>
-                </a:highlight>
-                <a:latin typeface="Source Code Pro"/>
-                <a:ea typeface="Source Code Pro"/>
-                <a:cs typeface="Source Code Pro"/>
-                <a:sym typeface="Source Code Pro"/>
-              </a:rPr>
-              <a:t>}</a:t>
-            </a:r>
-          </a:p>
-          <a:p>
-            <a:pPr marL="457200" lvl="0" indent="0" rtl="0">
-              <a:lnSpc>
-                <a:spcPct val="100000"/>
-              </a:lnSpc>
-              <a:spcBef>
-                <a:spcPts val="0"/>
-              </a:spcBef>
-              <a:spcAft>
-                <a:spcPts val="0"/>
-              </a:spcAft>
-              <a:buNone/>
-            </a:pPr>
-            <a:r>
-              <a:rPr lang="en" sz="1200">
-                <a:solidFill>
-                  <a:srgbClr val="0000CD"/>
-                </a:solidFill>
-                <a:highlight>
-                  <a:srgbClr val="FFFFFF"/>
-                </a:highlight>
-                <a:latin typeface="Source Code Pro"/>
-                <a:ea typeface="Source Code Pro"/>
-                <a:cs typeface="Source Code Pro"/>
-                <a:sym typeface="Source Code Pro"/>
-              </a:rPr>
-              <a:t>var</a:t>
-            </a:r>
-            <a:r>
-              <a:rPr lang="en" sz="1200">
-                <a:solidFill>
-                  <a:srgbClr val="000000"/>
-                </a:solidFill>
-                <a:highlight>
-                  <a:srgbClr val="FFFFFF"/>
-                </a:highlight>
-                <a:latin typeface="Source Code Pro"/>
-                <a:ea typeface="Source Code Pro"/>
-                <a:cs typeface="Source Code Pro"/>
-                <a:sym typeface="Source Code Pro"/>
-              </a:rPr>
-              <a:t> 1function = toCelsius; </a:t>
-            </a:r>
-            <a:r>
-              <a:rPr lang="en" sz="1200">
-                <a:solidFill>
-                  <a:srgbClr val="999999"/>
-                </a:solidFill>
-                <a:highlight>
-                  <a:srgbClr val="FFFFFF"/>
-                </a:highlight>
-                <a:latin typeface="Source Code Pro"/>
-                <a:ea typeface="Source Code Pro"/>
-                <a:cs typeface="Source Code Pro"/>
-                <a:sym typeface="Source Code Pro"/>
-              </a:rPr>
-              <a:t>// </a:t>
-            </a:r>
-            <a:r>
-              <a:rPr lang="en" sz="1200">
-                <a:solidFill>
-                  <a:srgbClr val="999999"/>
-                </a:solidFill>
-                <a:latin typeface="Source Code Pro"/>
-                <a:ea typeface="Source Code Pro"/>
-                <a:cs typeface="Source Code Pro"/>
-                <a:sym typeface="Source Code Pro"/>
-              </a:rPr>
-              <a:t>1function</a:t>
-            </a:r>
-            <a:r>
-              <a:rPr lang="en" sz="1200">
-                <a:solidFill>
-                  <a:srgbClr val="999999"/>
-                </a:solidFill>
-                <a:highlight>
-                  <a:srgbClr val="FFFFFF"/>
-                </a:highlight>
-                <a:latin typeface="Source Code Pro"/>
-                <a:ea typeface="Source Code Pro"/>
-                <a:cs typeface="Source Code Pro"/>
-                <a:sym typeface="Source Code Pro"/>
-              </a:rPr>
-              <a:t> = function(f) { return (5/9) * (f-32); }</a:t>
-            </a:r>
-          </a:p>
-          <a:p>
-            <a:pPr marL="457200" lvl="0" indent="0" rtl="0">
-              <a:lnSpc>
-                <a:spcPct val="100000"/>
-              </a:lnSpc>
-              <a:spcBef>
-                <a:spcPts val="0"/>
-              </a:spcBef>
-              <a:spcAft>
-                <a:spcPts val="0"/>
-              </a:spcAft>
-              <a:buNone/>
-            </a:pPr>
-            <a:endParaRPr sz="1200">
-              <a:solidFill>
-                <a:srgbClr val="999999"/>
-              </a:solidFill>
-              <a:highlight>
-                <a:srgbClr val="FFFFFF"/>
-              </a:highlight>
+            <a:pPr lvl="0">
+              <a:spcBef>
+                <a:spcPts val="0"/>
+              </a:spcBef>
+              <a:buNone/>
+            </a:pPr>
+            <a:endParaRPr>
               <a:latin typeface="Source Code Pro"/>
               <a:ea typeface="Source Code Pro"/>
               <a:cs typeface="Source Code Pro"/>
               <a:sym typeface="Source Code Pro"/>
-            </a:endParaRPr>
-          </a:p>
-          <a:p>
-            <a:pPr lvl="0" rtl="0">
-              <a:lnSpc>
-                <a:spcPct val="100000"/>
-              </a:lnSpc>
-              <a:spcBef>
-                <a:spcPts val="0"/>
-              </a:spcBef>
-              <a:spcAft>
-                <a:spcPts val="0"/>
-              </a:spcAft>
-              <a:buNone/>
-            </a:pPr>
-            <a:endParaRPr sz="1200">
-              <a:highlight>
-                <a:srgbClr val="FFFFFF"/>
-              </a:highlight>
             </a:endParaRPr>
           </a:p>
         </p:txBody>
@@ -9570,7 +9887,7 @@
             </a:pPr>
             <a:r>
               <a:rPr lang="en"/>
-              <a:t>Loops: for and for/in</a:t>
+              <a:t>Loops: for</a:t>
             </a:r>
           </a:p>
         </p:txBody>
@@ -9877,491 +10194,6 @@
                 <a:sym typeface="Source Code Pro"/>
               </a:rPr>
               <a:t>// text = “The number is 0&lt;br&gt;The number is 1&lt;br&gt;”</a:t>
-            </a:r>
-          </a:p>
-          <a:p>
-            <a:pPr lvl="0" rtl="0">
-              <a:lnSpc>
-                <a:spcPct val="115000"/>
-              </a:lnSpc>
-              <a:spcBef>
-                <a:spcPts val="0"/>
-              </a:spcBef>
-              <a:spcAft>
-                <a:spcPts val="0"/>
-              </a:spcAft>
-              <a:buNone/>
-            </a:pPr>
-            <a:endParaRPr sz="1200">
-              <a:solidFill>
-                <a:srgbClr val="000000"/>
-              </a:solidFill>
-              <a:highlight>
-                <a:srgbClr val="FFFFFF"/>
-              </a:highlight>
-              <a:latin typeface="Source Code Pro"/>
-              <a:ea typeface="Source Code Pro"/>
-              <a:cs typeface="Source Code Pro"/>
-              <a:sym typeface="Source Code Pro"/>
-            </a:endParaRPr>
-          </a:p>
-          <a:p>
-            <a:pPr lvl="0" rtl="0">
-              <a:lnSpc>
-                <a:spcPct val="115000"/>
-              </a:lnSpc>
-              <a:spcBef>
-                <a:spcPts val="0"/>
-              </a:spcBef>
-              <a:spcAft>
-                <a:spcPts val="0"/>
-              </a:spcAft>
-              <a:buNone/>
-            </a:pPr>
-            <a:endParaRPr sz="1200">
-              <a:solidFill>
-                <a:srgbClr val="000000"/>
-              </a:solidFill>
-              <a:highlight>
-                <a:srgbClr val="FFFFFF"/>
-              </a:highlight>
-              <a:latin typeface="Source Code Pro"/>
-              <a:ea typeface="Source Code Pro"/>
-              <a:cs typeface="Source Code Pro"/>
-              <a:sym typeface="Source Code Pro"/>
-            </a:endParaRPr>
-          </a:p>
-          <a:p>
-            <a:pPr lvl="0" rtl="0">
-              <a:lnSpc>
-                <a:spcPct val="115000"/>
-              </a:lnSpc>
-              <a:spcBef>
-                <a:spcPts val="0"/>
-              </a:spcBef>
-              <a:spcAft>
-                <a:spcPts val="0"/>
-              </a:spcAft>
-              <a:buNone/>
-            </a:pPr>
-            <a:r>
-              <a:rPr lang="en" sz="1200">
-                <a:solidFill>
-                  <a:srgbClr val="999999"/>
-                </a:solidFill>
-                <a:highlight>
-                  <a:srgbClr val="FFFFFF"/>
-                </a:highlight>
-                <a:latin typeface="Source Code Pro"/>
-                <a:ea typeface="Source Code Pro"/>
-                <a:cs typeface="Source Code Pro"/>
-                <a:sym typeface="Source Code Pro"/>
-              </a:rPr>
-              <a:t>/* FOR/IN */</a:t>
-            </a:r>
-          </a:p>
-          <a:p>
-            <a:pPr lvl="0" rtl="0">
-              <a:lnSpc>
-                <a:spcPct val="115000"/>
-              </a:lnSpc>
-              <a:spcBef>
-                <a:spcPts val="0"/>
-              </a:spcBef>
-              <a:spcAft>
-                <a:spcPts val="0"/>
-              </a:spcAft>
-              <a:buNone/>
-            </a:pPr>
-            <a:r>
-              <a:rPr lang="en" sz="1200">
-                <a:solidFill>
-                  <a:srgbClr val="0000CD"/>
-                </a:solidFill>
-                <a:highlight>
-                  <a:srgbClr val="FFFFFF"/>
-                </a:highlight>
-                <a:latin typeface="Source Code Pro"/>
-                <a:ea typeface="Source Code Pro"/>
-                <a:cs typeface="Source Code Pro"/>
-                <a:sym typeface="Source Code Pro"/>
-              </a:rPr>
-              <a:t>var</a:t>
-            </a:r>
-            <a:r>
-              <a:rPr lang="en" sz="1200">
-                <a:solidFill>
-                  <a:srgbClr val="000000"/>
-                </a:solidFill>
-                <a:highlight>
-                  <a:srgbClr val="FFFFFF"/>
-                </a:highlight>
-                <a:latin typeface="Source Code Pro"/>
-                <a:ea typeface="Source Code Pro"/>
-                <a:cs typeface="Source Code Pro"/>
-                <a:sym typeface="Source Code Pro"/>
-              </a:rPr>
-              <a:t> person = {fname:</a:t>
-            </a:r>
-            <a:r>
-              <a:rPr lang="en" sz="1200">
-                <a:solidFill>
-                  <a:srgbClr val="A52A2A"/>
-                </a:solidFill>
-                <a:highlight>
-                  <a:srgbClr val="FFFFFF"/>
-                </a:highlight>
-                <a:latin typeface="Source Code Pro"/>
-                <a:ea typeface="Source Code Pro"/>
-                <a:cs typeface="Source Code Pro"/>
-                <a:sym typeface="Source Code Pro"/>
-              </a:rPr>
-              <a:t>"John"</a:t>
-            </a:r>
-            <a:r>
-              <a:rPr lang="en" sz="1200">
-                <a:solidFill>
-                  <a:srgbClr val="000000"/>
-                </a:solidFill>
-                <a:highlight>
-                  <a:srgbClr val="FFFFFF"/>
-                </a:highlight>
-                <a:latin typeface="Source Code Pro"/>
-                <a:ea typeface="Source Code Pro"/>
-                <a:cs typeface="Source Code Pro"/>
-                <a:sym typeface="Source Code Pro"/>
-              </a:rPr>
-              <a:t>, lname:</a:t>
-            </a:r>
-            <a:r>
-              <a:rPr lang="en" sz="1200">
-                <a:solidFill>
-                  <a:srgbClr val="A52A2A"/>
-                </a:solidFill>
-                <a:highlight>
-                  <a:srgbClr val="FFFFFF"/>
-                </a:highlight>
-                <a:latin typeface="Source Code Pro"/>
-                <a:ea typeface="Source Code Pro"/>
-                <a:cs typeface="Source Code Pro"/>
-                <a:sym typeface="Source Code Pro"/>
-              </a:rPr>
-              <a:t>"Doe"</a:t>
-            </a:r>
-            <a:r>
-              <a:rPr lang="en" sz="1200">
-                <a:solidFill>
-                  <a:srgbClr val="000000"/>
-                </a:solidFill>
-                <a:highlight>
-                  <a:srgbClr val="FFFFFF"/>
-                </a:highlight>
-                <a:latin typeface="Source Code Pro"/>
-                <a:ea typeface="Source Code Pro"/>
-                <a:cs typeface="Source Code Pro"/>
-                <a:sym typeface="Source Code Pro"/>
-              </a:rPr>
-              <a:t>, age:</a:t>
-            </a:r>
-            <a:r>
-              <a:rPr lang="en" sz="1200">
-                <a:solidFill>
-                  <a:srgbClr val="FF0000"/>
-                </a:solidFill>
-                <a:highlight>
-                  <a:srgbClr val="FFFFFF"/>
-                </a:highlight>
-                <a:latin typeface="Source Code Pro"/>
-                <a:ea typeface="Source Code Pro"/>
-                <a:cs typeface="Source Code Pro"/>
-                <a:sym typeface="Source Code Pro"/>
-              </a:rPr>
-              <a:t>25</a:t>
-            </a:r>
-            <a:r>
-              <a:rPr lang="en" sz="1200">
-                <a:solidFill>
-                  <a:srgbClr val="000000"/>
-                </a:solidFill>
-                <a:highlight>
-                  <a:srgbClr val="FFFFFF"/>
-                </a:highlight>
-                <a:latin typeface="Source Code Pro"/>
-                <a:ea typeface="Source Code Pro"/>
-                <a:cs typeface="Source Code Pro"/>
-                <a:sym typeface="Source Code Pro"/>
-              </a:rPr>
-              <a:t>};</a:t>
-            </a:r>
-          </a:p>
-          <a:p>
-            <a:pPr lvl="0" rtl="0">
-              <a:lnSpc>
-                <a:spcPct val="115000"/>
-              </a:lnSpc>
-              <a:spcBef>
-                <a:spcPts val="0"/>
-              </a:spcBef>
-              <a:spcAft>
-                <a:spcPts val="0"/>
-              </a:spcAft>
-              <a:buNone/>
-            </a:pPr>
-            <a:r>
-              <a:rPr lang="en" sz="1200">
-                <a:solidFill>
-                  <a:srgbClr val="0000CD"/>
-                </a:solidFill>
-                <a:highlight>
-                  <a:srgbClr val="FFFFFF"/>
-                </a:highlight>
-                <a:latin typeface="Source Code Pro"/>
-                <a:ea typeface="Source Code Pro"/>
-                <a:cs typeface="Source Code Pro"/>
-                <a:sym typeface="Source Code Pro"/>
-              </a:rPr>
-              <a:t>var</a:t>
-            </a:r>
-            <a:r>
-              <a:rPr lang="en" sz="1200">
-                <a:solidFill>
-                  <a:srgbClr val="000000"/>
-                </a:solidFill>
-                <a:highlight>
-                  <a:srgbClr val="FFFFFF"/>
-                </a:highlight>
-                <a:latin typeface="Source Code Pro"/>
-                <a:ea typeface="Source Code Pro"/>
-                <a:cs typeface="Source Code Pro"/>
-                <a:sym typeface="Source Code Pro"/>
-              </a:rPr>
-              <a:t> text = </a:t>
-            </a:r>
-            <a:r>
-              <a:rPr lang="en" sz="1200">
-                <a:solidFill>
-                  <a:srgbClr val="A52A2A"/>
-                </a:solidFill>
-                <a:highlight>
-                  <a:srgbClr val="FFFFFF"/>
-                </a:highlight>
-                <a:latin typeface="Source Code Pro"/>
-                <a:ea typeface="Source Code Pro"/>
-                <a:cs typeface="Source Code Pro"/>
-                <a:sym typeface="Source Code Pro"/>
-              </a:rPr>
-              <a:t>""</a:t>
-            </a:r>
-            <a:r>
-              <a:rPr lang="en" sz="1200">
-                <a:solidFill>
-                  <a:srgbClr val="000000"/>
-                </a:solidFill>
-                <a:highlight>
-                  <a:srgbClr val="FFFFFF"/>
-                </a:highlight>
-                <a:latin typeface="Source Code Pro"/>
-                <a:ea typeface="Source Code Pro"/>
-                <a:cs typeface="Source Code Pro"/>
-                <a:sym typeface="Source Code Pro"/>
-              </a:rPr>
-              <a:t>;</a:t>
-            </a:r>
-          </a:p>
-          <a:p>
-            <a:pPr lvl="0" rtl="0">
-              <a:lnSpc>
-                <a:spcPct val="115000"/>
-              </a:lnSpc>
-              <a:spcBef>
-                <a:spcPts val="0"/>
-              </a:spcBef>
-              <a:spcAft>
-                <a:spcPts val="0"/>
-              </a:spcAft>
-              <a:buNone/>
-            </a:pPr>
-            <a:r>
-              <a:rPr lang="en" sz="1200">
-                <a:solidFill>
-                  <a:srgbClr val="0000CD"/>
-                </a:solidFill>
-                <a:highlight>
-                  <a:srgbClr val="FFFFFF"/>
-                </a:highlight>
-                <a:latin typeface="Source Code Pro"/>
-                <a:ea typeface="Source Code Pro"/>
-                <a:cs typeface="Source Code Pro"/>
-                <a:sym typeface="Source Code Pro"/>
-              </a:rPr>
-              <a:t>var</a:t>
-            </a:r>
-            <a:r>
-              <a:rPr lang="en" sz="1200">
-                <a:solidFill>
-                  <a:srgbClr val="000000"/>
-                </a:solidFill>
-                <a:highlight>
-                  <a:srgbClr val="FFFFFF"/>
-                </a:highlight>
-                <a:latin typeface="Source Code Pro"/>
-                <a:ea typeface="Source Code Pro"/>
-                <a:cs typeface="Source Code Pro"/>
-                <a:sym typeface="Source Code Pro"/>
-              </a:rPr>
-              <a:t> x;</a:t>
-            </a:r>
-          </a:p>
-          <a:p>
-            <a:pPr lvl="0" rtl="0">
-              <a:lnSpc>
-                <a:spcPct val="115000"/>
-              </a:lnSpc>
-              <a:spcBef>
-                <a:spcPts val="0"/>
-              </a:spcBef>
-              <a:spcAft>
-                <a:spcPts val="0"/>
-              </a:spcAft>
-              <a:buNone/>
-            </a:pPr>
-            <a:r>
-              <a:rPr lang="en" sz="1200">
-                <a:solidFill>
-                  <a:srgbClr val="0000CD"/>
-                </a:solidFill>
-                <a:highlight>
-                  <a:srgbClr val="FFFFFF"/>
-                </a:highlight>
-                <a:latin typeface="Source Code Pro"/>
-                <a:ea typeface="Source Code Pro"/>
-                <a:cs typeface="Source Code Pro"/>
-                <a:sym typeface="Source Code Pro"/>
-              </a:rPr>
-              <a:t>for</a:t>
-            </a:r>
-            <a:r>
-              <a:rPr lang="en" sz="1200">
-                <a:solidFill>
-                  <a:srgbClr val="000000"/>
-                </a:solidFill>
-                <a:highlight>
-                  <a:srgbClr val="FFFFFF"/>
-                </a:highlight>
-                <a:latin typeface="Source Code Pro"/>
-                <a:ea typeface="Source Code Pro"/>
-                <a:cs typeface="Source Code Pro"/>
-                <a:sym typeface="Source Code Pro"/>
-              </a:rPr>
-              <a:t> (x </a:t>
-            </a:r>
-            <a:r>
-              <a:rPr lang="en" sz="1200">
-                <a:solidFill>
-                  <a:srgbClr val="0000CD"/>
-                </a:solidFill>
-                <a:highlight>
-                  <a:srgbClr val="FFFFFF"/>
-                </a:highlight>
-                <a:latin typeface="Source Code Pro"/>
-                <a:ea typeface="Source Code Pro"/>
-                <a:cs typeface="Source Code Pro"/>
-                <a:sym typeface="Source Code Pro"/>
-              </a:rPr>
-              <a:t>in</a:t>
-            </a:r>
-            <a:r>
-              <a:rPr lang="en" sz="1200">
-                <a:solidFill>
-                  <a:srgbClr val="000000"/>
-                </a:solidFill>
-                <a:highlight>
-                  <a:srgbClr val="FFFFFF"/>
-                </a:highlight>
-                <a:latin typeface="Source Code Pro"/>
-                <a:ea typeface="Source Code Pro"/>
-                <a:cs typeface="Source Code Pro"/>
-                <a:sym typeface="Source Code Pro"/>
-              </a:rPr>
-              <a:t> person) {</a:t>
-            </a:r>
-          </a:p>
-          <a:p>
-            <a:pPr lvl="0" rtl="0">
-              <a:lnSpc>
-                <a:spcPct val="115000"/>
-              </a:lnSpc>
-              <a:spcBef>
-                <a:spcPts val="0"/>
-              </a:spcBef>
-              <a:spcAft>
-                <a:spcPts val="0"/>
-              </a:spcAft>
-              <a:buNone/>
-            </a:pPr>
-            <a:r>
-              <a:rPr lang="en" sz="1200">
-                <a:solidFill>
-                  <a:srgbClr val="000000"/>
-                </a:solidFill>
-                <a:highlight>
-                  <a:srgbClr val="FFFFFF"/>
-                </a:highlight>
-                <a:latin typeface="Source Code Pro"/>
-                <a:ea typeface="Source Code Pro"/>
-                <a:cs typeface="Source Code Pro"/>
-                <a:sym typeface="Source Code Pro"/>
-              </a:rPr>
-              <a:t>  text += person[x];</a:t>
-            </a:r>
-          </a:p>
-          <a:p>
-            <a:pPr lvl="0" rtl="0">
-              <a:lnSpc>
-                <a:spcPct val="115000"/>
-              </a:lnSpc>
-              <a:spcBef>
-                <a:spcPts val="0"/>
-              </a:spcBef>
-              <a:spcAft>
-                <a:spcPts val="0"/>
-              </a:spcAft>
-              <a:buNone/>
-            </a:pPr>
-            <a:r>
-              <a:rPr lang="en" sz="1200">
-                <a:solidFill>
-                  <a:srgbClr val="000000"/>
-                </a:solidFill>
-                <a:highlight>
-                  <a:srgbClr val="FFFFFF"/>
-                </a:highlight>
-                <a:latin typeface="Source Code Pro"/>
-                <a:ea typeface="Source Code Pro"/>
-                <a:cs typeface="Source Code Pro"/>
-                <a:sym typeface="Source Code Pro"/>
-              </a:rPr>
-              <a:t>}</a:t>
-            </a:r>
-          </a:p>
-          <a:p>
-            <a:pPr lvl="0">
-              <a:spcBef>
-                <a:spcPts val="0"/>
-              </a:spcBef>
-              <a:buNone/>
-            </a:pPr>
-            <a:r>
-              <a:rPr lang="en" sz="1200">
-                <a:solidFill>
-                  <a:srgbClr val="999999"/>
-                </a:solidFill>
-                <a:latin typeface="Source Code Pro"/>
-                <a:ea typeface="Source Code Pro"/>
-                <a:cs typeface="Source Code Pro"/>
-                <a:sym typeface="Source Code Pro"/>
-              </a:rPr>
-              <a:t>// text = “JohnDoe25”</a:t>
             </a:r>
           </a:p>
         </p:txBody>
@@ -12464,7 +12296,7 @@
                 <a:cs typeface="Source Code Pro"/>
                 <a:sym typeface="Source Code Pro"/>
               </a:rPr>
-              <a:t>        </a:t>
+              <a:t>       </a:t>
             </a:r>
             <a:r>
               <a:rPr lang="en" sz="900">
@@ -12494,7 +12326,7 @@
                 <a:cs typeface="Source Code Pro"/>
                 <a:sym typeface="Source Code Pro"/>
               </a:rPr>
-              <a:t>;					</a:t>
+              <a:t>; 					</a:t>
             </a:r>
             <a:r>
               <a:rPr lang="en" sz="900">
@@ -12686,7 +12518,7 @@
                 <a:cs typeface="Source Code Pro"/>
                 <a:sym typeface="Source Code Pro"/>
               </a:rPr>
-              <a:t>        </a:t>
+              <a:t>       </a:t>
             </a:r>
             <a:r>
               <a:rPr lang="en" sz="900">
@@ -12893,7 +12725,7 @@
                 <a:cs typeface="Source Code Pro"/>
                 <a:sym typeface="Source Code Pro"/>
               </a:rPr>
-              <a:t>        </a:t>
+              <a:t>       </a:t>
             </a:r>
             <a:r>
               <a:rPr lang="en" sz="900">
@@ -13100,7 +12932,7 @@
                 <a:cs typeface="Source Code Pro"/>
                 <a:sym typeface="Source Code Pro"/>
               </a:rPr>
-              <a:t>        </a:t>
+              <a:t>       </a:t>
             </a:r>
             <a:r>
               <a:rPr lang="en" sz="900">
@@ -13307,7 +13139,7 @@
                 <a:cs typeface="Source Code Pro"/>
                 <a:sym typeface="Source Code Pro"/>
               </a:rPr>
-              <a:t>        </a:t>
+              <a:t>       </a:t>
             </a:r>
             <a:r>
               <a:rPr lang="en" sz="900">
@@ -13514,7 +13346,7 @@
                 <a:cs typeface="Source Code Pro"/>
                 <a:sym typeface="Source Code Pro"/>
               </a:rPr>
-              <a:t>        </a:t>
+              <a:t>       </a:t>
             </a:r>
             <a:r>
               <a:rPr lang="en" sz="900">
@@ -13721,7 +13553,7 @@
                 <a:cs typeface="Source Code Pro"/>
                 <a:sym typeface="Source Code Pro"/>
               </a:rPr>
-              <a:t>        </a:t>
+              <a:t>       </a:t>
             </a:r>
             <a:r>
               <a:rPr lang="en" sz="900">
@@ -13829,7 +13661,7 @@
             </a:r>
           </a:p>
           <a:p>
-            <a:pPr lvl="0">
+            <a:pPr lvl="0" rtl="0">
               <a:lnSpc>
                 <a:spcPct val="100000"/>
               </a:lnSpc>
@@ -13879,6 +13711,56 @@
                 <a:highlight>
                   <a:srgbClr val="FFFFFF"/>
                 </a:highlight>
+                <a:latin typeface="Source Code Pro"/>
+                <a:ea typeface="Source Code Pro"/>
+                <a:cs typeface="Source Code Pro"/>
+                <a:sym typeface="Source Code Pro"/>
+              </a:rPr>
+              <a:t>;</a:t>
+            </a:r>
+          </a:p>
+          <a:p>
+            <a:pPr lvl="0" rtl="0">
+              <a:lnSpc>
+                <a:spcPct val="100000"/>
+              </a:lnSpc>
+              <a:spcBef>
+                <a:spcPts val="0"/>
+              </a:spcBef>
+              <a:spcAft>
+                <a:spcPts val="0"/>
+              </a:spcAft>
+              <a:buNone/>
+            </a:pPr>
+            <a:r>
+              <a:rPr lang="en" sz="900">
+                <a:solidFill>
+                  <a:srgbClr val="000000"/>
+                </a:solidFill>
+                <a:latin typeface="Source Code Pro"/>
+                <a:ea typeface="Source Code Pro"/>
+                <a:cs typeface="Source Code Pro"/>
+                <a:sym typeface="Source Code Pro"/>
+              </a:rPr>
+              <a:t>       </a:t>
+            </a:r>
+            <a:r>
+              <a:rPr lang="en" sz="900">
+                <a:solidFill>
+                  <a:srgbClr val="0000CD"/>
+                </a:solidFill>
+                <a:latin typeface="Source Code Pro"/>
+                <a:ea typeface="Source Code Pro"/>
+                <a:cs typeface="Source Code Pro"/>
+                <a:sym typeface="Source Code Pro"/>
+              </a:rPr>
+              <a:t>break</a:t>
+            </a:r>
+            <a:r>
+              <a:rPr lang="en" sz="900">
+                <a:solidFill>
+                  <a:srgbClr val="000000"/>
+                </a:solidFill>
                 <a:latin typeface="Source Code Pro"/>
                 <a:ea typeface="Source Code Pro"/>
                 <a:cs typeface="Source Code Pro"/>
@@ -14021,7 +13903,7 @@
               </a:buClr>
             </a:pPr>
             <a:r>
-              <a:rPr lang="en" dirty="0">
+              <a:rPr lang="en">
                 <a:solidFill>
                   <a:srgbClr val="666666"/>
                 </a:solidFill>
@@ -14045,12 +13927,12 @@
               </a:buClr>
             </a:pPr>
             <a:r>
-              <a:rPr lang="en" dirty="0">
+              <a:rPr lang="en">
                 <a:solidFill>
                   <a:srgbClr val="666666"/>
                 </a:solidFill>
               </a:rPr>
-              <a:t>A member of the classic C, C++, Java family</a:t>
+              <a:t>Similar in syntax to C, C++, Java</a:t>
             </a:r>
           </a:p>
           <a:p>
@@ -14069,12 +13951,12 @@
               </a:buClr>
             </a:pPr>
             <a:r>
-              <a:rPr lang="en" dirty="0">
+              <a:rPr lang="en">
                 <a:solidFill>
                   <a:srgbClr val="666666"/>
                 </a:solidFill>
               </a:rPr>
-              <a:t>Scripted language - faster to learn, easier to execute*</a:t>
+              <a:t>Faster to learn, easier to execute*</a:t>
             </a:r>
           </a:p>
           <a:p>
@@ -14093,7 +13975,7 @@
               </a:buClr>
             </a:pPr>
             <a:r>
-              <a:rPr lang="en" dirty="0">
+              <a:rPr lang="en">
                 <a:solidFill>
                   <a:srgbClr val="666666"/>
                 </a:solidFill>
@@ -14101,7 +13983,7 @@
               <a:t>Best known for being able to create the </a:t>
             </a:r>
             <a:r>
-              <a:rPr lang="en" i="1" dirty="0">
+              <a:rPr lang="en" i="1">
                 <a:solidFill>
                   <a:srgbClr val="666666"/>
                 </a:solidFill>
@@ -14109,7 +13991,7 @@
               <a:t>behavior</a:t>
             </a:r>
             <a:r>
-              <a:rPr lang="en" dirty="0">
+              <a:rPr lang="en">
                 <a:solidFill>
                   <a:srgbClr val="666666"/>
                 </a:solidFill>
@@ -14547,67 +14429,22 @@
           </a:bodyPr>
           <a:lstStyle/>
           <a:p>
-            <a:pPr marL="457200" lvl="0" indent="-228600">
-              <a:spcBef>
-                <a:spcPts val="0"/>
-              </a:spcBef>
-            </a:pPr>
-            <a:r>
-              <a:rPr lang="en"/>
+            <a:pPr lvl="0" rtl="0">
+              <a:spcBef>
+                <a:spcPts val="0"/>
+              </a:spcBef>
+              <a:buNone/>
+            </a:pPr>
+            <a:r>
+              <a:rPr lang="en" u="sng">
+                <a:solidFill>
+                  <a:schemeClr val="hlink"/>
+                </a:solidFill>
+                <a:hlinkClick r:id="rId3"/>
+              </a:rPr>
               <a:t>https://www.w3schools.com/js/</a:t>
             </a:r>
           </a:p>
-        </p:txBody>
-      </p:sp>
-    </p:spTree>
-  </p:cSld>
-  <p:clrMapOvr>
-    <a:masterClrMapping/>
-  </p:clrMapOvr>
-</p:sld>
-</file>
-
-<file path=ppt/slides/slide22.xml><?xml version="1.0" encoding="utf-8"?>
-<p:sld xmlns:a="http://schemas.openxmlformats.org/drawingml/2006/main" xmlns:r="http://schemas.openxmlformats.org/officeDocument/2006/relationships" xmlns:p="http://schemas.openxmlformats.org/presentationml/2006/main">
-  <p:cSld>
-    <p:spTree>
-      <p:nvGrpSpPr>
-        <p:cNvPr id="1" name="Shape 190"/>
-        <p:cNvGrpSpPr/>
-        <p:nvPr/>
-      </p:nvGrpSpPr>
-      <p:grpSpPr>
-        <a:xfrm>
-          <a:off x="0" y="0"/>
-          <a:ext cx="0" cy="0"/>
-          <a:chOff x="0" y="0"/>
-          <a:chExt cx="0" cy="0"/>
-        </a:xfrm>
-      </p:grpSpPr>
-      <p:sp>
-        <p:nvSpPr>
-          <p:cNvPr id="191" name="Shape 191"/>
-          <p:cNvSpPr txBox="1">
-            <a:spLocks noGrp="1"/>
-          </p:cNvSpPr>
-          <p:nvPr>
-            <p:ph type="title"/>
-          </p:nvPr>
-        </p:nvSpPr>
-        <p:spPr>
-          <a:xfrm>
-            <a:off x="311700" y="814800"/>
-            <a:ext cx="8571300" cy="942000"/>
-          </a:xfrm>
-          <a:prstGeom prst="rect">
-            <a:avLst/>
-          </a:prstGeom>
-        </p:spPr>
-        <p:txBody>
-          <a:bodyPr lIns="91425" tIns="91425" rIns="91425" bIns="91425" anchor="ctr" anchorCtr="0">
-            <a:noAutofit/>
-          </a:bodyPr>
-          <a:lstStyle/>
           <a:p>
             <a:pPr lvl="0">
               <a:spcBef>
@@ -14615,10 +14452,7 @@
               </a:spcBef>
               <a:buNone/>
             </a:pPr>
-            <a:r>
-              <a:rPr lang="en"/>
-              <a:t>Any questions?</a:t>
-            </a:r>
+            <a:endParaRPr/>
           </a:p>
         </p:txBody>
       </p:sp>
@@ -14737,20 +14571,6 @@
               <a:t>Interpreted - no compiler!</a:t>
             </a:r>
           </a:p>
-          <a:p>
-            <a:pPr marL="457200" lvl="0" indent="-228600" rtl="0">
-              <a:lnSpc>
-                <a:spcPct val="150000"/>
-              </a:lnSpc>
-              <a:spcBef>
-                <a:spcPts val="0"/>
-              </a:spcBef>
-            </a:pPr>
-            <a:r>
-              <a:rPr lang="en"/>
-              <a:t>Objected oriented - just like Java</a:t>
-            </a:r>
-          </a:p>
         </p:txBody>
       </p:sp>
     </p:spTree>
@@ -14828,7 +14648,7 @@
         </p:nvSpPr>
         <p:spPr>
           <a:xfrm>
-            <a:off x="311700" y="1152425"/>
+            <a:off x="311700" y="1266325"/>
             <a:ext cx="8520600" cy="3302700"/>
           </a:xfrm>
           <a:prstGeom prst="rect">
@@ -14849,7 +14669,7 @@
                 <a:spcPts val="0"/>
               </a:spcBef>
               <a:spcAft>
-                <a:spcPts val="1000"/>
+                <a:spcPts val="400"/>
               </a:spcAft>
             </a:pPr>
             <a:r>
@@ -14866,7 +14686,7 @@
                 <a:spcPts val="0"/>
               </a:spcBef>
               <a:spcAft>
-                <a:spcPts val="1000"/>
+                <a:spcPts val="400"/>
               </a:spcAft>
             </a:pPr>
             <a:r>
@@ -14883,12 +14703,12 @@
                 <a:spcPts val="0"/>
               </a:spcBef>
               <a:spcAft>
-                <a:spcPts val="1000"/>
+                <a:spcPts val="400"/>
               </a:spcAft>
             </a:pPr>
             <a:r>
               <a:rPr lang="en" dirty="0"/>
-              <a:t>Do not mix “ and ‘:</a:t>
+              <a:t>Do not mix “ and ‘ : </a:t>
             </a:r>
             <a:r>
               <a:rPr lang="en" strike="sngStrike" dirty="0"/>
@@ -14904,7 +14724,7 @@
                 <a:spcPts val="0"/>
               </a:spcBef>
               <a:spcAft>
-                <a:spcPts val="1000"/>
+                <a:spcPts val="400"/>
               </a:spcAft>
             </a:pPr>
             <a:r>
@@ -14921,7 +14741,7 @@
                 <a:spcPts val="0"/>
               </a:spcBef>
               <a:spcAft>
-                <a:spcPts val="1000"/>
+                <a:spcPts val="400"/>
               </a:spcAft>
             </a:pPr>
             <a:r>
@@ -14938,18 +14758,22 @@
                 <a:spcPts val="0"/>
               </a:spcBef>
               <a:spcAft>
-                <a:spcPts val="1000"/>
+                <a:spcPts val="400"/>
               </a:spcAft>
             </a:pPr>
             <a:r>
               <a:rPr lang="en" dirty="0"/>
-              <a:t>Null - it’s an object</a:t>
-            </a:r>
-            <a:r>
-              <a:rPr lang="en" dirty="0" smtClean="0"/>
-              <a:t>!</a:t>
-            </a:r>
-            <a:endParaRPr lang="en" dirty="0"/>
+              <a:t>Null - it’s an object!</a:t>
+            </a:r>
+          </a:p>
+          <a:p>
+            <a:pPr lvl="0" rtl="0">
+              <a:spcBef>
+                <a:spcPts val="0"/>
+              </a:spcBef>
+              <a:buNone/>
+            </a:pPr>
+            <a:endParaRPr dirty="0"/>
           </a:p>
         </p:txBody>
       </p:sp>
@@ -15041,7 +14865,7 @@
           </a:bodyPr>
           <a:lstStyle/>
           <a:p>
-            <a:pPr lvl="0">
+            <a:pPr lvl="0" rtl="0">
               <a:spcBef>
                 <a:spcPts val="0"/>
               </a:spcBef>
@@ -15049,27 +14873,7 @@
             </a:pPr>
             <a:r>
               <a:rPr lang="en"/>
-              <a:t>JavaScript variables do not have types. </a:t>
-            </a:r>
-          </a:p>
-          <a:p>
-            <a:pPr lvl="0">
-              <a:spcBef>
-                <a:spcPts val="0"/>
-              </a:spcBef>
-              <a:buNone/>
-            </a:pPr>
-            <a:r>
-              <a:rPr lang="en"/>
-              <a:t>The </a:t>
-            </a:r>
-            <a:r>
-              <a:rPr lang="en" i="1"/>
-              <a:t>values </a:t>
-            </a:r>
-            <a:r>
-              <a:rPr lang="en"/>
-              <a:t>have types.</a:t>
+              <a:t>JavaScript variables are not strictly typed. Types are inferred from the value.</a:t>
             </a:r>
           </a:p>
         </p:txBody>
@@ -15453,7 +15257,7 @@
             </a:pPr>
             <a:r>
               <a:rPr lang="en" dirty="0"/>
-              <a:t>Objects are in {}</a:t>
+              <a:t>You can define an object with {}</a:t>
             </a:r>
           </a:p>
           <a:p>
@@ -16850,195 +16654,7 @@
             </a:pPr>
             <a:r>
               <a:rPr lang="en"/>
-              <a:t>Re-Declaring</a:t>
-            </a:r>
-          </a:p>
-          <a:p>
-            <a:pPr marL="457200" lvl="0" indent="0" rtl="0">
-              <a:lnSpc>
-                <a:spcPct val="115000"/>
-              </a:lnSpc>
-              <a:spcBef>
-                <a:spcPts val="0"/>
-              </a:spcBef>
-              <a:spcAft>
-                <a:spcPts val="0"/>
-              </a:spcAft>
-              <a:buNone/>
-            </a:pPr>
-            <a:r>
-              <a:rPr lang="en" sz="1200">
-                <a:solidFill>
-                  <a:srgbClr val="0000CD"/>
-                </a:solidFill>
-                <a:highlight>
-                  <a:srgbClr val="FFFFFF"/>
-                </a:highlight>
-                <a:latin typeface="Source Code Pro"/>
-                <a:ea typeface="Source Code Pro"/>
-                <a:cs typeface="Source Code Pro"/>
-                <a:sym typeface="Source Code Pro"/>
-              </a:rPr>
-              <a:t>var</a:t>
-            </a:r>
-            <a:r>
-              <a:rPr lang="en" sz="1200">
-                <a:solidFill>
-                  <a:srgbClr val="000000"/>
-                </a:solidFill>
-                <a:highlight>
-                  <a:srgbClr val="FFFFFF"/>
-                </a:highlight>
-                <a:latin typeface="Source Code Pro"/>
-                <a:ea typeface="Source Code Pro"/>
-                <a:cs typeface="Source Code Pro"/>
-                <a:sym typeface="Source Code Pro"/>
-              </a:rPr>
-              <a:t> carName = </a:t>
-            </a:r>
-            <a:r>
-              <a:rPr lang="en" sz="1200">
-                <a:solidFill>
-                  <a:srgbClr val="A52A2A"/>
-                </a:solidFill>
-                <a:highlight>
-                  <a:srgbClr val="FFFFFF"/>
-                </a:highlight>
-                <a:latin typeface="Source Code Pro"/>
-                <a:ea typeface="Source Code Pro"/>
-                <a:cs typeface="Source Code Pro"/>
-                <a:sym typeface="Source Code Pro"/>
-              </a:rPr>
-              <a:t>"Volvo"</a:t>
-            </a:r>
-            <a:r>
-              <a:rPr lang="en" sz="1200">
-                <a:solidFill>
-                  <a:srgbClr val="000000"/>
-                </a:solidFill>
-                <a:highlight>
-                  <a:srgbClr val="FFFFFF"/>
-                </a:highlight>
-                <a:latin typeface="Source Code Pro"/>
-                <a:ea typeface="Source Code Pro"/>
-                <a:cs typeface="Source Code Pro"/>
-                <a:sym typeface="Source Code Pro"/>
-              </a:rPr>
-              <a:t>;</a:t>
-            </a:r>
-          </a:p>
-          <a:p>
-            <a:pPr marL="457200" lvl="0" indent="0" rtl="0">
-              <a:lnSpc>
-                <a:spcPct val="115000"/>
-              </a:lnSpc>
-              <a:spcBef>
-                <a:spcPts val="0"/>
-              </a:spcBef>
-              <a:spcAft>
-                <a:spcPts val="0"/>
-              </a:spcAft>
-              <a:buNone/>
-            </a:pPr>
-            <a:r>
-              <a:rPr lang="en" sz="1200">
-                <a:solidFill>
-                  <a:srgbClr val="0000CD"/>
-                </a:solidFill>
-                <a:highlight>
-                  <a:srgbClr val="FFFFFF"/>
-                </a:highlight>
-                <a:latin typeface="Source Code Pro"/>
-                <a:ea typeface="Source Code Pro"/>
-                <a:cs typeface="Source Code Pro"/>
-                <a:sym typeface="Source Code Pro"/>
-              </a:rPr>
-              <a:t>var</a:t>
-            </a:r>
-            <a:r>
-              <a:rPr lang="en" sz="1200">
-                <a:solidFill>
-                  <a:srgbClr val="000000"/>
-                </a:solidFill>
-                <a:highlight>
-                  <a:srgbClr val="FFFFFF"/>
-                </a:highlight>
-                <a:latin typeface="Source Code Pro"/>
-                <a:ea typeface="Source Code Pro"/>
-                <a:cs typeface="Source Code Pro"/>
-                <a:sym typeface="Source Code Pro"/>
-              </a:rPr>
-              <a:t> carName;        	</a:t>
-            </a:r>
-            <a:r>
-              <a:rPr lang="en" sz="1200">
-                <a:solidFill>
-                  <a:srgbClr val="999999"/>
-                </a:solidFill>
-                <a:highlight>
-                  <a:srgbClr val="FFFFFF"/>
-                </a:highlight>
-                <a:latin typeface="Source Code Pro"/>
-                <a:ea typeface="Source Code Pro"/>
-                <a:cs typeface="Source Code Pro"/>
-                <a:sym typeface="Source Code Pro"/>
-              </a:rPr>
-              <a:t>//Will still equal “Volvo”</a:t>
-            </a:r>
-          </a:p>
-          <a:p>
-            <a:pPr marL="457200" lvl="0" indent="0" rtl="0">
-              <a:lnSpc>
-                <a:spcPct val="115000"/>
-              </a:lnSpc>
-              <a:spcBef>
-                <a:spcPts val="0"/>
-              </a:spcBef>
-              <a:spcAft>
-                <a:spcPts val="0"/>
-              </a:spcAft>
-              <a:buNone/>
-            </a:pPr>
-            <a:endParaRPr sz="1200">
-              <a:solidFill>
-                <a:srgbClr val="999999"/>
-              </a:solidFill>
-              <a:highlight>
-                <a:srgbClr val="FFFFFF"/>
-              </a:highlight>
-              <a:latin typeface="Source Code Pro"/>
-              <a:ea typeface="Source Code Pro"/>
-              <a:cs typeface="Source Code Pro"/>
-              <a:sym typeface="Source Code Pro"/>
-            </a:endParaRPr>
-          </a:p>
-          <a:p>
-            <a:pPr marL="457200" lvl="0" indent="0" rtl="0">
-              <a:lnSpc>
-                <a:spcPct val="115000"/>
-              </a:lnSpc>
-              <a:spcBef>
-                <a:spcPts val="0"/>
-              </a:spcBef>
-              <a:spcAft>
-                <a:spcPts val="0"/>
-              </a:spcAft>
-              <a:buNone/>
-            </a:pPr>
-            <a:r>
-              <a:rPr lang="en" sz="1200">
-                <a:solidFill>
-                  <a:srgbClr val="999999"/>
-                </a:solidFill>
-                <a:highlight>
-                  <a:srgbClr val="FFFFFF"/>
-                </a:highlight>
-                <a:latin typeface="Source Code Pro"/>
-                <a:ea typeface="Source Code Pro"/>
-                <a:cs typeface="Source Code Pro"/>
-                <a:sym typeface="Source Code Pro"/>
-              </a:rPr>
-              <a:t>//BUT!</a:t>
+              <a:t>Re-assigning</a:t>
             </a:r>
           </a:p>
           <a:p>
@@ -17603,7 +17219,7 @@
               <a:buNone/>
             </a:pPr>
             <a:r>
-              <a:rPr lang="en" dirty="0"/>
+              <a:rPr lang="en"/>
               <a:t>Any questions?</a:t>
             </a:r>
           </a:p>
